--- a/仕様/プレゼンテーション/第二回発表.pptx
+++ b/仕様/プレゼンテーション/第二回発表.pptx
@@ -5,20 +5,24 @@
     <p:sldMasterId id="2147483720" r:id="rId1"/>
   </p:sldMasterIdLst>
   <p:notesMasterIdLst>
-    <p:notesMasterId r:id="rId13"/>
+    <p:notesMasterId r:id="rId17"/>
   </p:notesMasterIdLst>
   <p:sldIdLst>
     <p:sldId id="256" r:id="rId2"/>
     <p:sldId id="287" r:id="rId3"/>
     <p:sldId id="280" r:id="rId4"/>
-    <p:sldId id="281" r:id="rId5"/>
-    <p:sldId id="289" r:id="rId6"/>
-    <p:sldId id="282" r:id="rId7"/>
-    <p:sldId id="283" r:id="rId8"/>
-    <p:sldId id="284" r:id="rId9"/>
-    <p:sldId id="285" r:id="rId10"/>
-    <p:sldId id="286" r:id="rId11"/>
-    <p:sldId id="279" r:id="rId12"/>
+    <p:sldId id="293" r:id="rId5"/>
+    <p:sldId id="281" r:id="rId6"/>
+    <p:sldId id="289" r:id="rId7"/>
+    <p:sldId id="294" r:id="rId8"/>
+    <p:sldId id="282" r:id="rId9"/>
+    <p:sldId id="290" r:id="rId10"/>
+    <p:sldId id="295" r:id="rId11"/>
+    <p:sldId id="283" r:id="rId12"/>
+    <p:sldId id="291" r:id="rId13"/>
+    <p:sldId id="292" r:id="rId14"/>
+    <p:sldId id="296" r:id="rId15"/>
+    <p:sldId id="279" r:id="rId16"/>
   </p:sldIdLst>
   <p:sldSz cx="9144000" cy="5143500" type="screen16x9"/>
   <p:notesSz cx="6858000" cy="9144000"/>
@@ -202,7 +206,7 @@
           <a:p>
             <a:fld id="{94FD8BCF-D63F-423A-BBFA-53EA679724C4}" type="datetimeFigureOut">
               <a:rPr kumimoji="1" lang="ja-JP" altLang="en-US" smtClean="0"/>
-              <a:t>2016/11/15</a:t>
+              <a:t>2016/11/17</a:t>
             </a:fld>
             <a:endParaRPr kumimoji="1" lang="ja-JP" altLang="en-US"/>
           </a:p>
@@ -639,7 +643,7 @@
           <a:p>
             <a:fld id="{E90ED720-0104-4369-84BC-D37694168613}" type="datetimeFigureOut">
               <a:rPr kumimoji="1" lang="ja-JP" altLang="en-US" smtClean="0"/>
-              <a:t>2016/11/15</a:t>
+              <a:t>2016/11/17</a:t>
             </a:fld>
             <a:endParaRPr kumimoji="1" lang="ja-JP" altLang="en-US"/>
           </a:p>
@@ -1540,7 +1544,7 @@
           <a:p>
             <a:fld id="{E90ED720-0104-4369-84BC-D37694168613}" type="datetimeFigureOut">
               <a:rPr kumimoji="1" lang="ja-JP" altLang="en-US" smtClean="0"/>
-              <a:t>2016/11/15</a:t>
+              <a:t>2016/11/17</a:t>
             </a:fld>
             <a:endParaRPr kumimoji="1" lang="ja-JP" altLang="en-US"/>
           </a:p>
@@ -1747,7 +1751,7 @@
           <a:p>
             <a:fld id="{E90ED720-0104-4369-84BC-D37694168613}" type="datetimeFigureOut">
               <a:rPr kumimoji="1" lang="ja-JP" altLang="en-US" smtClean="0"/>
-              <a:t>2016/11/15</a:t>
+              <a:t>2016/11/17</a:t>
             </a:fld>
             <a:endParaRPr kumimoji="1" lang="ja-JP" altLang="en-US"/>
           </a:p>
@@ -1949,7 +1953,7 @@
           <a:p>
             <a:fld id="{E90ED720-0104-4369-84BC-D37694168613}" type="datetimeFigureOut">
               <a:rPr kumimoji="1" lang="ja-JP" altLang="en-US" smtClean="0"/>
-              <a:t>2016/11/15</a:t>
+              <a:t>2016/11/17</a:t>
             </a:fld>
             <a:endParaRPr kumimoji="1" lang="ja-JP" altLang="en-US"/>
           </a:p>
@@ -2159,7 +2163,7 @@
           <a:p>
             <a:fld id="{E90ED720-0104-4369-84BC-D37694168613}" type="datetimeFigureOut">
               <a:rPr kumimoji="1" lang="ja-JP" altLang="en-US" smtClean="0"/>
-              <a:t>2016/11/15</a:t>
+              <a:t>2016/11/17</a:t>
             </a:fld>
             <a:endParaRPr kumimoji="1" lang="ja-JP" altLang="en-US"/>
           </a:p>
@@ -2973,7 +2977,7 @@
           <a:p>
             <a:fld id="{E90ED720-0104-4369-84BC-D37694168613}" type="datetimeFigureOut">
               <a:rPr kumimoji="1" lang="ja-JP" altLang="en-US" smtClean="0"/>
-              <a:t>2016/11/15</a:t>
+              <a:t>2016/11/17</a:t>
             </a:fld>
             <a:endParaRPr kumimoji="1" lang="ja-JP" altLang="en-US"/>
           </a:p>
@@ -3273,7 +3277,7 @@
           <a:p>
             <a:fld id="{E90ED720-0104-4369-84BC-D37694168613}" type="datetimeFigureOut">
               <a:rPr kumimoji="1" lang="ja-JP" altLang="en-US" smtClean="0"/>
-              <a:t>2016/11/15</a:t>
+              <a:t>2016/11/17</a:t>
             </a:fld>
             <a:endParaRPr kumimoji="1" lang="ja-JP" altLang="en-US"/>
           </a:p>
@@ -3660,7 +3664,7 @@
           <a:p>
             <a:fld id="{E90ED720-0104-4369-84BC-D37694168613}" type="datetimeFigureOut">
               <a:rPr kumimoji="1" lang="ja-JP" altLang="en-US" smtClean="0"/>
-              <a:t>2016/11/15</a:t>
+              <a:t>2016/11/17</a:t>
             </a:fld>
             <a:endParaRPr kumimoji="1" lang="ja-JP" altLang="en-US"/>
           </a:p>
@@ -3750,7 +3754,7 @@
           <a:p>
             <a:fld id="{E90ED720-0104-4369-84BC-D37694168613}" type="datetimeFigureOut">
               <a:rPr kumimoji="1" lang="ja-JP" altLang="en-US" smtClean="0"/>
-              <a:t>2016/11/15</a:t>
+              <a:t>2016/11/17</a:t>
             </a:fld>
             <a:endParaRPr kumimoji="1" lang="ja-JP" altLang="en-US"/>
           </a:p>
@@ -4299,7 +4303,7 @@
           <a:p>
             <a:fld id="{E90ED720-0104-4369-84BC-D37694168613}" type="datetimeFigureOut">
               <a:rPr kumimoji="1" lang="ja-JP" altLang="en-US" smtClean="0"/>
-              <a:t>2016/11/15</a:t>
+              <a:t>2016/11/17</a:t>
             </a:fld>
             <a:endParaRPr kumimoji="1" lang="ja-JP" altLang="en-US"/>
           </a:p>
@@ -4810,7 +4814,7 @@
           <a:p>
             <a:fld id="{E90ED720-0104-4369-84BC-D37694168613}" type="datetimeFigureOut">
               <a:rPr kumimoji="1" lang="ja-JP" altLang="en-US" smtClean="0"/>
-              <a:t>2016/11/15</a:t>
+              <a:t>2016/11/17</a:t>
             </a:fld>
             <a:endParaRPr kumimoji="1" lang="ja-JP" altLang="en-US"/>
           </a:p>
@@ -5087,7 +5091,7 @@
           <a:p>
             <a:fld id="{E90ED720-0104-4369-84BC-D37694168613}" type="datetimeFigureOut">
               <a:rPr kumimoji="1" lang="ja-JP" altLang="en-US" smtClean="0"/>
-              <a:t>2016/11/15</a:t>
+              <a:t>2016/11/17</a:t>
             </a:fld>
             <a:endParaRPr kumimoji="1" lang="ja-JP" altLang="en-US"/>
           </a:p>
@@ -5704,7 +5708,7 @@
         </p:nvSpPr>
         <p:spPr>
           <a:xfrm>
-            <a:off x="2286000" y="2343150"/>
+            <a:off x="2286000" y="3158044"/>
             <a:ext cx="6390456" cy="1420772"/>
           </a:xfrm>
         </p:spPr>
@@ -5722,11 +5726,7 @@
             </a:r>
             <a:r>
               <a:rPr lang="ja-JP" altLang="en-US" dirty="0" smtClean="0"/>
-              <a:t>回</a:t>
-            </a:r>
-            <a:r>
-              <a:rPr lang="ja-JP" altLang="en-US" dirty="0" smtClean="0"/>
-              <a:t>卒業制作プレゼンテーション</a:t>
+              <a:t>回卒業制作プレゼンテーション</a:t>
             </a:r>
             <a:endParaRPr kumimoji="1" lang="ja-JP" altLang="en-US" dirty="0"/>
           </a:p>
@@ -5742,7 +5742,12 @@
             <p:ph type="subTitle" idx="1"/>
           </p:nvPr>
         </p:nvSpPr>
-        <p:spPr/>
+        <p:spPr>
+          <a:xfrm>
+            <a:off x="2286000" y="4567386"/>
+            <a:ext cx="6172200" cy="1028700"/>
+          </a:xfrm>
+        </p:spPr>
         <p:txBody>
           <a:bodyPr/>
           <a:lstStyle/>
@@ -5772,7 +5777,7 @@
           <a:p>
             <a:fld id="{3B0ABBF7-0051-4006-810C-014A19F60712}" type="datetime1">
               <a:rPr kumimoji="1" lang="ja-JP" altLang="en-US" smtClean="0"/>
-              <a:t>2016/11/15</a:t>
+              <a:t>2016/11/17</a:t>
             </a:fld>
             <a:endParaRPr kumimoji="1" lang="ja-JP" altLang="en-US"/>
           </a:p>
@@ -5799,8 +5804,8 @@
         </p:blipFill>
         <p:spPr bwMode="auto">
           <a:xfrm>
-            <a:off x="2555776" y="123478"/>
-            <a:ext cx="5544616" cy="3150951"/>
+            <a:off x="1816815" y="195486"/>
+            <a:ext cx="6715625" cy="3816424"/>
           </a:xfrm>
           <a:prstGeom prst="rect">
             <a:avLst/>
@@ -5891,10 +5896,117 @@
         </p:nvSpPr>
         <p:spPr/>
         <p:txBody>
+          <a:bodyPr>
+            <a:normAutofit/>
+          </a:bodyPr>
+          <a:lstStyle/>
+          <a:p>
+            <a:r>
+              <a:rPr kumimoji="1" lang="ja-JP" altLang="en-US" sz="2000" dirty="0" smtClean="0"/>
+              <a:t>デザイン面</a:t>
+            </a:r>
+            <a:endParaRPr kumimoji="1" lang="en-US" altLang="ja-JP" sz="2000" dirty="0" smtClean="0"/>
+          </a:p>
+          <a:p>
+            <a:pPr lvl="1"/>
+            <a:r>
+              <a:rPr kumimoji="1" lang="ja-JP" altLang="en-US" sz="2000" dirty="0" smtClean="0"/>
+              <a:t>敵キャラは現在ラフが完了！　鋭意モデル製作中！</a:t>
+            </a:r>
+            <a:endParaRPr kumimoji="1" lang="ja-JP" altLang="en-US" sz="2000" dirty="0"/>
+          </a:p>
+        </p:txBody>
+      </p:sp>
+    </p:spTree>
+    <p:extLst>
+      <p:ext uri="{BB962C8B-B14F-4D97-AF65-F5344CB8AC3E}">
+        <p14:creationId xmlns:p14="http://schemas.microsoft.com/office/powerpoint/2010/main" val="3021558547"/>
+      </p:ext>
+    </p:extLst>
+  </p:cSld>
+  <p:clrMapOvr>
+    <a:masterClrMapping/>
+  </p:clrMapOvr>
+  <p:timing>
+    <p:tnLst>
+      <p:par>
+        <p:cTn id="1" dur="indefinite" restart="never" nodeType="tmRoot"/>
+      </p:par>
+    </p:tnLst>
+  </p:timing>
+</p:sld>
+</file>
+
+<file path=ppt/slides/slide11.xml><?xml version="1.0" encoding="utf-8"?>
+<p:sld xmlns:a="http://schemas.openxmlformats.org/drawingml/2006/main" xmlns:r="http://schemas.openxmlformats.org/officeDocument/2006/relationships" xmlns:p="http://schemas.openxmlformats.org/presentationml/2006/main">
+  <p:cSld>
+    <p:spTree>
+      <p:nvGrpSpPr>
+        <p:cNvPr id="1" name=""/>
+        <p:cNvGrpSpPr/>
+        <p:nvPr/>
+      </p:nvGrpSpPr>
+      <p:grpSpPr>
+        <a:xfrm>
+          <a:off x="0" y="0"/>
+          <a:ext cx="0" cy="0"/>
+          <a:chOff x="0" y="0"/>
+          <a:chExt cx="0" cy="0"/>
+        </a:xfrm>
+      </p:grpSpPr>
+      <p:sp>
+        <p:nvSpPr>
+          <p:cNvPr id="2" name="タイトル 1"/>
+          <p:cNvSpPr>
+            <a:spLocks noGrp="1"/>
+          </p:cNvSpPr>
+          <p:nvPr>
+            <p:ph type="title"/>
+          </p:nvPr>
+        </p:nvSpPr>
+        <p:spPr/>
+        <p:txBody>
+          <a:bodyPr>
+            <a:normAutofit/>
+          </a:bodyPr>
+          <a:lstStyle/>
+          <a:p>
+            <a:r>
+              <a:rPr kumimoji="1" lang="ja-JP" altLang="en-US" dirty="0" smtClean="0"/>
+              <a:t>今のハンブレ進捗状況</a:t>
+            </a:r>
+            <a:endParaRPr kumimoji="1" lang="ja-JP" altLang="en-US" dirty="0"/>
+          </a:p>
+        </p:txBody>
+      </p:sp>
+      <p:sp>
+        <p:nvSpPr>
+          <p:cNvPr id="3" name="コンテンツ プレースホルダー 2"/>
+          <p:cNvSpPr>
+            <a:spLocks noGrp="1"/>
+          </p:cNvSpPr>
+          <p:nvPr>
+            <p:ph sz="quarter" idx="1"/>
+          </p:nvPr>
+        </p:nvSpPr>
+        <p:spPr/>
+        <p:txBody>
           <a:bodyPr/>
           <a:lstStyle/>
           <a:p>
-            <a:endParaRPr kumimoji="1" lang="ja-JP" altLang="en-US"/>
+            <a:r>
+              <a:rPr lang="ja-JP" altLang="en-US" dirty="0" smtClean="0"/>
+              <a:t>プログラム面</a:t>
+            </a:r>
+            <a:endParaRPr lang="en-US" altLang="ja-JP" dirty="0"/>
+          </a:p>
+          <a:p>
+            <a:pPr lvl="1"/>
+            <a:r>
+              <a:rPr lang="ja-JP" altLang="en-US" dirty="0" smtClean="0"/>
+              <a:t>通信周りがやっとの思いで安定！！</a:t>
+            </a:r>
+            <a:endParaRPr lang="en-US" altLang="ja-JP" dirty="0" smtClean="0"/>
           </a:p>
         </p:txBody>
       </p:sp>
@@ -5918,7 +6030,287 @@
 </p:sld>
 </file>
 
-<file path=ppt/slides/slide11.xml><?xml version="1.0" encoding="utf-8"?>
+<file path=ppt/slides/slide12.xml><?xml version="1.0" encoding="utf-8"?>
+<p:sld xmlns:a="http://schemas.openxmlformats.org/drawingml/2006/main" xmlns:r="http://schemas.openxmlformats.org/officeDocument/2006/relationships" xmlns:p="http://schemas.openxmlformats.org/presentationml/2006/main">
+  <p:cSld>
+    <p:spTree>
+      <p:nvGrpSpPr>
+        <p:cNvPr id="1" name=""/>
+        <p:cNvGrpSpPr/>
+        <p:nvPr/>
+      </p:nvGrpSpPr>
+      <p:grpSpPr>
+        <a:xfrm>
+          <a:off x="0" y="0"/>
+          <a:ext cx="0" cy="0"/>
+          <a:chOff x="0" y="0"/>
+          <a:chExt cx="0" cy="0"/>
+        </a:xfrm>
+      </p:grpSpPr>
+      <p:sp>
+        <p:nvSpPr>
+          <p:cNvPr id="2" name="タイトル 1"/>
+          <p:cNvSpPr>
+            <a:spLocks noGrp="1"/>
+          </p:cNvSpPr>
+          <p:nvPr>
+            <p:ph type="title"/>
+          </p:nvPr>
+        </p:nvSpPr>
+        <p:spPr/>
+        <p:txBody>
+          <a:bodyPr>
+            <a:normAutofit/>
+          </a:bodyPr>
+          <a:lstStyle/>
+          <a:p>
+            <a:r>
+              <a:rPr kumimoji="1" lang="ja-JP" altLang="en-US" dirty="0" smtClean="0"/>
+              <a:t>今のハンブレ進捗状況</a:t>
+            </a:r>
+            <a:endParaRPr kumimoji="1" lang="ja-JP" altLang="en-US" dirty="0"/>
+          </a:p>
+        </p:txBody>
+      </p:sp>
+      <p:sp>
+        <p:nvSpPr>
+          <p:cNvPr id="3" name="コンテンツ プレースホルダー 2"/>
+          <p:cNvSpPr>
+            <a:spLocks noGrp="1"/>
+          </p:cNvSpPr>
+          <p:nvPr>
+            <p:ph sz="quarter" idx="1"/>
+          </p:nvPr>
+        </p:nvSpPr>
+        <p:spPr/>
+        <p:txBody>
+          <a:bodyPr/>
+          <a:lstStyle/>
+          <a:p>
+            <a:r>
+              <a:rPr lang="ja-JP" altLang="en-US" dirty="0" smtClean="0"/>
+              <a:t>プログラム面</a:t>
+            </a:r>
+            <a:endParaRPr lang="en-US" altLang="ja-JP" dirty="0" smtClean="0"/>
+          </a:p>
+          <a:p>
+            <a:pPr lvl="1"/>
+            <a:r>
+              <a:rPr lang="en-US" altLang="ja-JP" dirty="0" smtClean="0"/>
+              <a:t>UI</a:t>
+            </a:r>
+            <a:r>
+              <a:rPr lang="ja-JP" altLang="en-US" dirty="0" smtClean="0"/>
+              <a:t>も配置完了！　これで思う存分殴り合えます。</a:t>
+            </a:r>
+            <a:endParaRPr lang="en-US" altLang="ja-JP" dirty="0" smtClean="0"/>
+          </a:p>
+          <a:p>
+            <a:pPr lvl="1"/>
+            <a:endParaRPr lang="en-US" altLang="ja-JP" dirty="0"/>
+          </a:p>
+        </p:txBody>
+      </p:sp>
+    </p:spTree>
+    <p:extLst>
+      <p:ext uri="{BB962C8B-B14F-4D97-AF65-F5344CB8AC3E}">
+        <p14:creationId xmlns:p14="http://schemas.microsoft.com/office/powerpoint/2010/main" val="540115164"/>
+      </p:ext>
+    </p:extLst>
+  </p:cSld>
+  <p:clrMapOvr>
+    <a:masterClrMapping/>
+  </p:clrMapOvr>
+  <p:timing>
+    <p:tnLst>
+      <p:par>
+        <p:cTn id="1" dur="indefinite" restart="never" nodeType="tmRoot"/>
+      </p:par>
+    </p:tnLst>
+  </p:timing>
+</p:sld>
+</file>
+
+<file path=ppt/slides/slide13.xml><?xml version="1.0" encoding="utf-8"?>
+<p:sld xmlns:a="http://schemas.openxmlformats.org/drawingml/2006/main" xmlns:r="http://schemas.openxmlformats.org/officeDocument/2006/relationships" xmlns:p="http://schemas.openxmlformats.org/presentationml/2006/main">
+  <p:cSld>
+    <p:spTree>
+      <p:nvGrpSpPr>
+        <p:cNvPr id="1" name=""/>
+        <p:cNvGrpSpPr/>
+        <p:nvPr/>
+      </p:nvGrpSpPr>
+      <p:grpSpPr>
+        <a:xfrm>
+          <a:off x="0" y="0"/>
+          <a:ext cx="0" cy="0"/>
+          <a:chOff x="0" y="0"/>
+          <a:chExt cx="0" cy="0"/>
+        </a:xfrm>
+      </p:grpSpPr>
+      <p:sp>
+        <p:nvSpPr>
+          <p:cNvPr id="2" name="タイトル 1"/>
+          <p:cNvSpPr>
+            <a:spLocks noGrp="1"/>
+          </p:cNvSpPr>
+          <p:nvPr>
+            <p:ph type="title"/>
+          </p:nvPr>
+        </p:nvSpPr>
+        <p:spPr>
+          <a:xfrm>
+            <a:off x="457200" y="1635646"/>
+            <a:ext cx="8363272" cy="1656184"/>
+          </a:xfrm>
+        </p:spPr>
+        <p:txBody>
+          <a:bodyPr>
+            <a:noAutofit/>
+          </a:bodyPr>
+          <a:lstStyle/>
+          <a:p>
+            <a:r>
+              <a:rPr kumimoji="1" lang="ja-JP" altLang="en-US" sz="4800" dirty="0" smtClean="0"/>
+              <a:t>では、実機プレイに参ります</a:t>
+            </a:r>
+            <a:r>
+              <a:rPr kumimoji="1" lang="en-US" altLang="ja-JP" sz="4800" dirty="0" smtClean="0"/>
+              <a:t/>
+            </a:r>
+            <a:br>
+              <a:rPr kumimoji="1" lang="en-US" altLang="ja-JP" sz="4800" dirty="0" smtClean="0"/>
+            </a:br>
+            <a:r>
+              <a:rPr lang="ja-JP" altLang="en-US" sz="4800" dirty="0" smtClean="0"/>
+              <a:t>少々お待ちくださいませ</a:t>
+            </a:r>
+            <a:endParaRPr kumimoji="1" lang="ja-JP" altLang="en-US" sz="4800" dirty="0"/>
+          </a:p>
+        </p:txBody>
+      </p:sp>
+    </p:spTree>
+    <p:extLst>
+      <p:ext uri="{BB962C8B-B14F-4D97-AF65-F5344CB8AC3E}">
+        <p14:creationId xmlns:p14="http://schemas.microsoft.com/office/powerpoint/2010/main" val="4267696760"/>
+      </p:ext>
+    </p:extLst>
+  </p:cSld>
+  <p:clrMapOvr>
+    <a:masterClrMapping/>
+  </p:clrMapOvr>
+</p:sld>
+</file>
+
+<file path=ppt/slides/slide14.xml><?xml version="1.0" encoding="utf-8"?>
+<p:sld xmlns:a="http://schemas.openxmlformats.org/drawingml/2006/main" xmlns:r="http://schemas.openxmlformats.org/officeDocument/2006/relationships" xmlns:p="http://schemas.openxmlformats.org/presentationml/2006/main">
+  <p:cSld>
+    <p:spTree>
+      <p:nvGrpSpPr>
+        <p:cNvPr id="1" name=""/>
+        <p:cNvGrpSpPr/>
+        <p:nvPr/>
+      </p:nvGrpSpPr>
+      <p:grpSpPr>
+        <a:xfrm>
+          <a:off x="0" y="0"/>
+          <a:ext cx="0" cy="0"/>
+          <a:chOff x="0" y="0"/>
+          <a:chExt cx="0" cy="0"/>
+        </a:xfrm>
+      </p:grpSpPr>
+      <p:sp>
+        <p:nvSpPr>
+          <p:cNvPr id="2" name="タイトル 1"/>
+          <p:cNvSpPr>
+            <a:spLocks noGrp="1"/>
+          </p:cNvSpPr>
+          <p:nvPr>
+            <p:ph type="title"/>
+          </p:nvPr>
+        </p:nvSpPr>
+        <p:spPr/>
+        <p:txBody>
+          <a:bodyPr/>
+          <a:lstStyle/>
+          <a:p>
+            <a:r>
+              <a:rPr kumimoji="1" lang="ja-JP" altLang="en-US" dirty="0" smtClean="0"/>
+              <a:t>今後の実装予定＆次回発表内容</a:t>
+            </a:r>
+            <a:r>
+              <a:rPr kumimoji="1" lang="en-US" altLang="ja-JP" dirty="0" smtClean="0"/>
+              <a:t>(</a:t>
+            </a:r>
+            <a:r>
+              <a:rPr kumimoji="1" lang="ja-JP" altLang="en-US" dirty="0" smtClean="0"/>
+              <a:t>予定</a:t>
+            </a:r>
+            <a:r>
+              <a:rPr kumimoji="1" lang="en-US" altLang="ja-JP" dirty="0" smtClean="0"/>
+              <a:t>)</a:t>
+            </a:r>
+            <a:endParaRPr kumimoji="1" lang="ja-JP" altLang="en-US" dirty="0"/>
+          </a:p>
+        </p:txBody>
+      </p:sp>
+      <p:sp>
+        <p:nvSpPr>
+          <p:cNvPr id="3" name="コンテンツ プレースホルダー 2"/>
+          <p:cNvSpPr>
+            <a:spLocks noGrp="1"/>
+          </p:cNvSpPr>
+          <p:nvPr>
+            <p:ph sz="quarter" idx="1"/>
+          </p:nvPr>
+        </p:nvSpPr>
+        <p:spPr/>
+        <p:txBody>
+          <a:bodyPr/>
+          <a:lstStyle/>
+          <a:p>
+            <a:r>
+              <a:rPr kumimoji="1" lang="ja-JP" altLang="en-US" dirty="0" smtClean="0"/>
+              <a:t>ついにアップグレードを実装予定</a:t>
+            </a:r>
+            <a:endParaRPr kumimoji="1" lang="en-US" altLang="ja-JP" dirty="0" smtClean="0"/>
+          </a:p>
+          <a:p>
+            <a:endParaRPr lang="en-US" altLang="ja-JP" dirty="0"/>
+          </a:p>
+          <a:p>
+            <a:r>
+              <a:rPr kumimoji="1" lang="ja-JP" altLang="en-US" dirty="0" smtClean="0"/>
+              <a:t>敵キャラ本実装開始</a:t>
+            </a:r>
+            <a:endParaRPr kumimoji="1" lang="en-US" altLang="ja-JP" dirty="0" smtClean="0"/>
+          </a:p>
+          <a:p>
+            <a:endParaRPr lang="en-US" altLang="ja-JP" dirty="0"/>
+          </a:p>
+          <a:p>
+            <a:r>
+              <a:rPr kumimoji="1" lang="ja-JP" altLang="en-US" dirty="0" smtClean="0"/>
+              <a:t>プレイヤーに新行動追加！？</a:t>
+            </a:r>
+            <a:endParaRPr kumimoji="1" lang="ja-JP" altLang="en-US" dirty="0"/>
+          </a:p>
+        </p:txBody>
+      </p:sp>
+    </p:spTree>
+    <p:extLst>
+      <p:ext uri="{BB962C8B-B14F-4D97-AF65-F5344CB8AC3E}">
+        <p14:creationId xmlns:p14="http://schemas.microsoft.com/office/powerpoint/2010/main" val="282877166"/>
+      </p:ext>
+    </p:extLst>
+  </p:cSld>
+  <p:clrMapOvr>
+    <a:masterClrMapping/>
+  </p:clrMapOvr>
+</p:sld>
+</file>
+
+<file path=ppt/slides/slide15.xml><?xml version="1.0" encoding="utf-8"?>
 <p:sld xmlns:a="http://schemas.openxmlformats.org/drawingml/2006/main" xmlns:r="http://schemas.openxmlformats.org/officeDocument/2006/relationships" xmlns:p="http://schemas.openxmlformats.org/presentationml/2006/main">
   <p:cSld>
     <p:spTree>
@@ -6520,6 +6912,66 @@
 </file>
 
 <file path=ppt/slides/slide3.xml><?xml version="1.0" encoding="utf-8"?>
+<p:sld xmlns:a="http://schemas.openxmlformats.org/drawingml/2006/main" xmlns:r="http://schemas.openxmlformats.org/officeDocument/2006/relationships" xmlns:p="http://schemas.openxmlformats.org/presentationml/2006/main">
+  <p:cSld>
+    <p:spTree>
+      <p:nvGrpSpPr>
+        <p:cNvPr id="1" name=""/>
+        <p:cNvGrpSpPr/>
+        <p:nvPr/>
+      </p:nvGrpSpPr>
+      <p:grpSpPr>
+        <a:xfrm>
+          <a:off x="0" y="0"/>
+          <a:ext cx="0" cy="0"/>
+          <a:chOff x="0" y="0"/>
+          <a:chExt cx="0" cy="0"/>
+        </a:xfrm>
+      </p:grpSpPr>
+      <p:sp>
+        <p:nvSpPr>
+          <p:cNvPr id="2" name="タイトル 1"/>
+          <p:cNvSpPr>
+            <a:spLocks noGrp="1"/>
+          </p:cNvSpPr>
+          <p:nvPr>
+            <p:ph type="title"/>
+          </p:nvPr>
+        </p:nvSpPr>
+        <p:spPr/>
+        <p:txBody>
+          <a:bodyPr/>
+          <a:lstStyle/>
+          <a:p>
+            <a:r>
+              <a:rPr kumimoji="1" lang="ja-JP" altLang="en-US" dirty="0" smtClean="0"/>
+              <a:t>前回までのハンブレ</a:t>
+            </a:r>
+            <a:endParaRPr kumimoji="1" lang="ja-JP" altLang="en-US" dirty="0"/>
+          </a:p>
+        </p:txBody>
+      </p:sp>
+    </p:spTree>
+    <p:extLst>
+      <p:ext uri="{BB962C8B-B14F-4D97-AF65-F5344CB8AC3E}">
+        <p14:creationId xmlns:p14="http://schemas.microsoft.com/office/powerpoint/2010/main" val="3331155783"/>
+      </p:ext>
+    </p:extLst>
+  </p:cSld>
+  <p:clrMapOvr>
+    <a:masterClrMapping/>
+  </p:clrMapOvr>
+  <p:timing>
+    <p:tnLst>
+      <p:par>
+        <p:cTn id="1" dur="indefinite" restart="never" nodeType="tmRoot"/>
+      </p:par>
+    </p:tnLst>
+  </p:timing>
+</p:sld>
+</file>
+
+<file path=ppt/slides/slide4.xml><?xml version="1.0" encoding="utf-8"?>
 <p:sld xmlns:a="http://schemas.openxmlformats.org/drawingml/2006/main" xmlns:r="http://schemas.openxmlformats.org/officeDocument/2006/relationships" xmlns:p="http://schemas.openxmlformats.org/presentationml/2006/main">
   <p:cSld>
     <p:spTree>
@@ -6686,110 +7138,7 @@
     </p:spTree>
     <p:extLst>
       <p:ext uri="{BB962C8B-B14F-4D97-AF65-F5344CB8AC3E}">
-        <p14:creationId xmlns:p14="http://schemas.microsoft.com/office/powerpoint/2010/main" val="3331155783"/>
-      </p:ext>
-    </p:extLst>
-  </p:cSld>
-  <p:clrMapOvr>
-    <a:masterClrMapping/>
-  </p:clrMapOvr>
-  <p:timing>
-    <p:tnLst>
-      <p:par>
-        <p:cTn id="1" dur="indefinite" restart="never" nodeType="tmRoot"/>
-      </p:par>
-    </p:tnLst>
-  </p:timing>
-</p:sld>
-</file>
-
-<file path=ppt/slides/slide4.xml><?xml version="1.0" encoding="utf-8"?>
-<p:sld xmlns:a="http://schemas.openxmlformats.org/drawingml/2006/main" xmlns:r="http://schemas.openxmlformats.org/officeDocument/2006/relationships" xmlns:p="http://schemas.openxmlformats.org/presentationml/2006/main">
-  <p:cSld>
-    <p:spTree>
-      <p:nvGrpSpPr>
-        <p:cNvPr id="1" name=""/>
-        <p:cNvGrpSpPr/>
-        <p:nvPr/>
-      </p:nvGrpSpPr>
-      <p:grpSpPr>
-        <a:xfrm>
-          <a:off x="0" y="0"/>
-          <a:ext cx="0" cy="0"/>
-          <a:chOff x="0" y="0"/>
-          <a:chExt cx="0" cy="0"/>
-        </a:xfrm>
-      </p:grpSpPr>
-      <p:sp>
-        <p:nvSpPr>
-          <p:cNvPr id="2" name="タイトル 1"/>
-          <p:cNvSpPr>
-            <a:spLocks noGrp="1"/>
-          </p:cNvSpPr>
-          <p:nvPr>
-            <p:ph type="title"/>
-          </p:nvPr>
-        </p:nvSpPr>
-        <p:spPr/>
-        <p:txBody>
-          <a:bodyPr/>
-          <a:lstStyle/>
-          <a:p>
-            <a:r>
-              <a:rPr kumimoji="1" lang="ja-JP" altLang="en-US" dirty="0" smtClean="0"/>
-              <a:t>前回までのハンブレ</a:t>
-            </a:r>
-            <a:endParaRPr kumimoji="1" lang="ja-JP" altLang="en-US" dirty="0"/>
-          </a:p>
-        </p:txBody>
-      </p:sp>
-      <p:sp>
-        <p:nvSpPr>
-          <p:cNvPr id="3" name="コンテンツ プレースホルダー 2"/>
-          <p:cNvSpPr>
-            <a:spLocks noGrp="1"/>
-          </p:cNvSpPr>
-          <p:nvPr>
-            <p:ph sz="quarter" idx="1"/>
-          </p:nvPr>
-        </p:nvSpPr>
-        <p:spPr>
-          <a:xfrm>
-            <a:off x="467544" y="2139702"/>
-            <a:ext cx="7467600" cy="1296144"/>
-          </a:xfrm>
-        </p:spPr>
-        <p:txBody>
-          <a:bodyPr>
-            <a:normAutofit/>
-          </a:bodyPr>
-          <a:lstStyle/>
-          <a:p>
-            <a:pPr marL="0" indent="0">
-              <a:buNone/>
-            </a:pPr>
-            <a:r>
-              <a:rPr kumimoji="1" lang="ja-JP" altLang="en-US" sz="3600" dirty="0" smtClean="0"/>
-              <a:t>と、声高らかに宣言した時から</a:t>
-            </a:r>
-            <a:endParaRPr kumimoji="1" lang="en-US" altLang="ja-JP" sz="3600" dirty="0" smtClean="0"/>
-          </a:p>
-          <a:p>
-            <a:pPr marL="0" indent="0">
-              <a:buNone/>
-            </a:pPr>
-            <a:r>
-              <a:rPr kumimoji="1" lang="ja-JP" altLang="en-US" sz="3600" dirty="0" smtClean="0"/>
-              <a:t>早一ヶ月。</a:t>
-            </a:r>
-            <a:endParaRPr kumimoji="1" lang="ja-JP" altLang="en-US" sz="3600" dirty="0"/>
-          </a:p>
-        </p:txBody>
-      </p:sp>
-    </p:spTree>
-    <p:extLst>
-      <p:ext uri="{BB962C8B-B14F-4D97-AF65-F5344CB8AC3E}">
-        <p14:creationId xmlns:p14="http://schemas.microsoft.com/office/powerpoint/2010/main" val="1610581672"/>
+        <p14:creationId xmlns:p14="http://schemas.microsoft.com/office/powerpoint/2010/main" val="4177882413"/>
       </p:ext>
     </p:extLst>
   </p:cSld>
@@ -6858,8 +7207,8 @@
         </p:nvSpPr>
         <p:spPr>
           <a:xfrm>
-            <a:off x="457200" y="2139702"/>
-            <a:ext cx="7467600" cy="1728192"/>
+            <a:off x="467544" y="2139702"/>
+            <a:ext cx="7467600" cy="1296144"/>
           </a:xfrm>
         </p:spPr>
         <p:txBody>
@@ -6873,7 +7222,7 @@
             </a:pPr>
             <a:r>
               <a:rPr kumimoji="1" lang="ja-JP" altLang="en-US" sz="3600" dirty="0" smtClean="0"/>
-              <a:t>就職活動に追われながらも</a:t>
+              <a:t>と、声高らかに宣言した時から</a:t>
             </a:r>
             <a:endParaRPr kumimoji="1" lang="en-US" altLang="ja-JP" sz="3600" dirty="0" smtClean="0"/>
           </a:p>
@@ -6883,34 +7232,16 @@
             </a:pPr>
             <a:r>
               <a:rPr kumimoji="1" lang="ja-JP" altLang="en-US" sz="3600" dirty="0" smtClean="0"/>
-              <a:t>制作を続けています。</a:t>
-            </a:r>
-            <a:endParaRPr kumimoji="1" lang="en-US" altLang="ja-JP" sz="3600" dirty="0" smtClean="0"/>
-          </a:p>
-          <a:p>
-            <a:pPr marL="0" indent="0">
-              <a:buNone/>
-            </a:pPr>
-            <a:r>
-              <a:rPr lang="en-US" altLang="ja-JP" sz="1800" dirty="0" smtClean="0"/>
-              <a:t>(</a:t>
-            </a:r>
-            <a:r>
-              <a:rPr lang="ja-JP" altLang="en-US" sz="1800" dirty="0" smtClean="0"/>
-              <a:t>今日もＰＧ二人が就活で抜けています。</a:t>
-            </a:r>
-            <a:r>
-              <a:rPr lang="en-US" altLang="ja-JP" sz="1800" dirty="0" smtClean="0"/>
-              <a:t>)</a:t>
-            </a:r>
-            <a:endParaRPr kumimoji="1" lang="ja-JP" altLang="en-US" sz="1800" dirty="0"/>
+              <a:t>早一ヶ月。</a:t>
+            </a:r>
+            <a:endParaRPr kumimoji="1" lang="ja-JP" altLang="en-US" sz="3600" dirty="0"/>
           </a:p>
         </p:txBody>
       </p:sp>
     </p:spTree>
     <p:extLst>
       <p:ext uri="{BB962C8B-B14F-4D97-AF65-F5344CB8AC3E}">
-        <p14:creationId xmlns:p14="http://schemas.microsoft.com/office/powerpoint/2010/main" val="3922036234"/>
+        <p14:creationId xmlns:p14="http://schemas.microsoft.com/office/powerpoint/2010/main" val="1610581672"/>
       </p:ext>
     </p:extLst>
   </p:cSld>
@@ -6956,89 +7287,82 @@
         </p:nvSpPr>
         <p:spPr/>
         <p:txBody>
+          <a:bodyPr/>
+          <a:lstStyle/>
+          <a:p>
+            <a:r>
+              <a:rPr kumimoji="1" lang="ja-JP" altLang="en-US" dirty="0" smtClean="0"/>
+              <a:t>前回までのハンブレ</a:t>
+            </a:r>
+            <a:endParaRPr kumimoji="1" lang="ja-JP" altLang="en-US" dirty="0"/>
+          </a:p>
+        </p:txBody>
+      </p:sp>
+      <p:sp>
+        <p:nvSpPr>
+          <p:cNvPr id="3" name="コンテンツ プレースホルダー 2"/>
+          <p:cNvSpPr>
+            <a:spLocks noGrp="1"/>
+          </p:cNvSpPr>
+          <p:nvPr>
+            <p:ph sz="quarter" idx="1"/>
+          </p:nvPr>
+        </p:nvSpPr>
+        <p:spPr>
+          <a:xfrm>
+            <a:off x="457200" y="2139702"/>
+            <a:ext cx="7467600" cy="1728192"/>
+          </a:xfrm>
+        </p:spPr>
+        <p:txBody>
           <a:bodyPr>
             <a:normAutofit/>
           </a:bodyPr>
           <a:lstStyle/>
           <a:p>
-            <a:r>
-              <a:rPr kumimoji="1" lang="ja-JP" altLang="en-US" dirty="0" smtClean="0"/>
-              <a:t>今のハンブレ進捗状況</a:t>
-            </a:r>
-            <a:endParaRPr kumimoji="1" lang="ja-JP" altLang="en-US" dirty="0"/>
-          </a:p>
-        </p:txBody>
-      </p:sp>
-      <p:sp>
-        <p:nvSpPr>
-          <p:cNvPr id="3" name="コンテンツ プレースホルダー 2"/>
-          <p:cNvSpPr>
-            <a:spLocks noGrp="1"/>
-          </p:cNvSpPr>
-          <p:nvPr>
-            <p:ph sz="quarter" idx="1"/>
-          </p:nvPr>
-        </p:nvSpPr>
-        <p:spPr/>
-        <p:txBody>
-          <a:bodyPr>
-            <a:normAutofit/>
-          </a:bodyPr>
-          <a:lstStyle/>
-          <a:p>
-            <a:r>
-              <a:rPr kumimoji="1" lang="ja-JP" altLang="en-US" sz="2800" dirty="0" smtClean="0"/>
-              <a:t>デザイン素材</a:t>
-            </a:r>
-            <a:endParaRPr kumimoji="1" lang="ja-JP" altLang="en-US" sz="2800" dirty="0"/>
-          </a:p>
-        </p:txBody>
-      </p:sp>
-      <p:pic>
-        <p:nvPicPr>
-          <p:cNvPr id="1026" name="Picture 2" descr="C:\Users\2130071\Desktop\Baidu IME_2016-11-15_14-21-19.jpg"/>
-          <p:cNvPicPr>
-            <a:picLocks noChangeAspect="1" noChangeArrowheads="1"/>
-          </p:cNvPicPr>
-          <p:nvPr/>
-        </p:nvPicPr>
-        <p:blipFill>
-          <a:blip r:embed="rId2" cstate="print">
-            <a:extLst>
-              <a:ext uri="{28A0092B-C50C-407E-A947-70E740481C1C}">
-                <a14:useLocalDpi xmlns:a14="http://schemas.microsoft.com/office/drawing/2010/main" val="0"/>
-              </a:ext>
-            </a:extLst>
-          </a:blip>
-          <a:srcRect/>
-          <a:stretch>
-            <a:fillRect/>
-          </a:stretch>
-        </p:blipFill>
-        <p:spPr bwMode="auto">
-          <a:xfrm>
-            <a:off x="1187624" y="1995686"/>
-            <a:ext cx="2517080" cy="2904945"/>
-          </a:xfrm>
-          <a:prstGeom prst="rect">
-            <a:avLst/>
-          </a:prstGeom>
-          <a:noFill/>
-          <a:extLst>
-            <a:ext uri="{909E8E84-426E-40DD-AFC4-6F175D3DCCD1}">
-              <a14:hiddenFill xmlns:a14="http://schemas.microsoft.com/office/drawing/2010/main">
-                <a:solidFill>
-                  <a:srgbClr val="FFFFFF"/>
-                </a:solidFill>
-              </a14:hiddenFill>
-            </a:ext>
-          </a:extLst>
-        </p:spPr>
-      </p:pic>
+            <a:pPr marL="0" indent="0">
+              <a:buNone/>
+            </a:pPr>
+            <a:r>
+              <a:rPr kumimoji="1" lang="ja-JP" altLang="en-US" sz="3600" dirty="0" smtClean="0"/>
+              <a:t>就職活動に追われながらも</a:t>
+            </a:r>
+            <a:endParaRPr kumimoji="1" lang="en-US" altLang="ja-JP" sz="3600" dirty="0" smtClean="0"/>
+          </a:p>
+          <a:p>
+            <a:pPr marL="0" indent="0">
+              <a:buNone/>
+            </a:pPr>
+            <a:r>
+              <a:rPr kumimoji="1" lang="ja-JP" altLang="en-US" sz="3600" dirty="0" smtClean="0"/>
+              <a:t>制作を続けています。</a:t>
+            </a:r>
+            <a:endParaRPr kumimoji="1" lang="en-US" altLang="ja-JP" sz="3600" dirty="0" smtClean="0"/>
+          </a:p>
+          <a:p>
+            <a:pPr marL="0" indent="0">
+              <a:buNone/>
+            </a:pPr>
+            <a:r>
+              <a:rPr lang="en-US" altLang="ja-JP" sz="1800" dirty="0" smtClean="0"/>
+              <a:t>(</a:t>
+            </a:r>
+            <a:r>
+              <a:rPr lang="ja-JP" altLang="en-US" sz="1800" dirty="0" smtClean="0"/>
+              <a:t>今日もＰＧ二人が就活で抜けています。</a:t>
+            </a:r>
+            <a:r>
+              <a:rPr lang="en-US" altLang="ja-JP" sz="1800" dirty="0" smtClean="0"/>
+              <a:t>)</a:t>
+            </a:r>
+            <a:endParaRPr kumimoji="1" lang="ja-JP" altLang="en-US" sz="1800" dirty="0"/>
+          </a:p>
+        </p:txBody>
+      </p:sp>
     </p:spTree>
     <p:extLst>
       <p:ext uri="{BB962C8B-B14F-4D97-AF65-F5344CB8AC3E}">
-        <p14:creationId xmlns:p14="http://schemas.microsoft.com/office/powerpoint/2010/main" val="1773572301"/>
+        <p14:creationId xmlns:p14="http://schemas.microsoft.com/office/powerpoint/2010/main" val="3922036234"/>
       </p:ext>
     </p:extLst>
   </p:cSld>
@@ -7084,55 +7408,86 @@
         </p:nvSpPr>
         <p:spPr/>
         <p:txBody>
+          <a:bodyPr/>
+          <a:lstStyle/>
+          <a:p>
+            <a:r>
+              <a:rPr kumimoji="1" lang="ja-JP" altLang="en-US" dirty="0" smtClean="0"/>
+              <a:t>というわけで、進捗の報告から</a:t>
+            </a:r>
+            <a:endParaRPr kumimoji="1" lang="ja-JP" altLang="en-US" dirty="0"/>
+          </a:p>
+        </p:txBody>
+      </p:sp>
+      <p:sp>
+        <p:nvSpPr>
+          <p:cNvPr id="3" name="コンテンツ プレースホルダー 2"/>
+          <p:cNvSpPr>
+            <a:spLocks noGrp="1"/>
+          </p:cNvSpPr>
+          <p:nvPr>
+            <p:ph sz="quarter" idx="1"/>
+          </p:nvPr>
+        </p:nvSpPr>
+        <p:spPr>
+          <a:xfrm>
+            <a:off x="457200" y="1776214"/>
+            <a:ext cx="7467600" cy="2163688"/>
+          </a:xfrm>
+        </p:spPr>
+        <p:txBody>
           <a:bodyPr>
             <a:normAutofit/>
           </a:bodyPr>
           <a:lstStyle/>
           <a:p>
-            <a:r>
-              <a:rPr kumimoji="1" lang="ja-JP" altLang="en-US" dirty="0" smtClean="0"/>
-              <a:t>今のハンブレ進捗状況</a:t>
-            </a:r>
-            <a:endParaRPr kumimoji="1" lang="ja-JP" altLang="en-US" dirty="0"/>
-          </a:p>
-        </p:txBody>
-      </p:sp>
-      <p:sp>
-        <p:nvSpPr>
-          <p:cNvPr id="3" name="コンテンツ プレースホルダー 2"/>
-          <p:cNvSpPr>
-            <a:spLocks noGrp="1"/>
-          </p:cNvSpPr>
-          <p:nvPr>
-            <p:ph sz="quarter" idx="1"/>
-          </p:nvPr>
-        </p:nvSpPr>
-        <p:spPr/>
-        <p:txBody>
-          <a:bodyPr/>
-          <a:lstStyle/>
-          <a:p>
-            <a:endParaRPr kumimoji="1" lang="ja-JP" altLang="en-US"/>
+            <a:pPr marL="457200" indent="-457200">
+              <a:buFont typeface="+mj-lt"/>
+              <a:buAutoNum type="arabicPeriod"/>
+            </a:pPr>
+            <a:r>
+              <a:rPr kumimoji="1" lang="ja-JP" altLang="en-US" sz="4000" dirty="0" smtClean="0"/>
+              <a:t>デザイン進捗</a:t>
+            </a:r>
+            <a:endParaRPr kumimoji="1" lang="en-US" altLang="ja-JP" sz="4000" dirty="0" smtClean="0"/>
+          </a:p>
+          <a:p>
+            <a:pPr marL="457200" indent="-457200">
+              <a:buFont typeface="+mj-lt"/>
+              <a:buAutoNum type="arabicPeriod"/>
+            </a:pPr>
+            <a:r>
+              <a:rPr lang="ja-JP" altLang="en-US" sz="4000" dirty="0" smtClean="0"/>
+              <a:t>プログラム進捗</a:t>
+            </a:r>
+            <a:endParaRPr lang="en-US" altLang="ja-JP" sz="4000" dirty="0" smtClean="0"/>
+          </a:p>
+          <a:p>
+            <a:pPr marL="457200" indent="-457200">
+              <a:buFont typeface="+mj-lt"/>
+              <a:buAutoNum type="arabicPeriod"/>
+            </a:pPr>
+            <a:r>
+              <a:rPr kumimoji="1" lang="ja-JP" altLang="en-US" sz="4000" dirty="0" smtClean="0"/>
+              <a:t>プロトタイプ実機</a:t>
+            </a:r>
+            <a:r>
+              <a:rPr kumimoji="1" lang="ja-JP" altLang="en-US" sz="4000" dirty="0"/>
+              <a:t>プレイ</a:t>
+            </a:r>
           </a:p>
         </p:txBody>
       </p:sp>
     </p:spTree>
     <p:extLst>
       <p:ext uri="{BB962C8B-B14F-4D97-AF65-F5344CB8AC3E}">
-        <p14:creationId xmlns:p14="http://schemas.microsoft.com/office/powerpoint/2010/main" val="4090114508"/>
+        <p14:creationId xmlns:p14="http://schemas.microsoft.com/office/powerpoint/2010/main" val="3029631471"/>
       </p:ext>
     </p:extLst>
   </p:cSld>
   <p:clrMapOvr>
     <a:masterClrMapping/>
   </p:clrMapOvr>
-  <p:timing>
-    <p:tnLst>
-      <p:par>
-        <p:cTn id="1" dur="indefinite" restart="never" nodeType="tmRoot"/>
-      </p:par>
-    </p:tnLst>
-  </p:timing>
 </p:sld>
 </file>
 
@@ -7190,17 +7545,259 @@
         </p:nvSpPr>
         <p:spPr/>
         <p:txBody>
-          <a:bodyPr/>
-          <a:lstStyle/>
-          <a:p>
-            <a:endParaRPr kumimoji="1" lang="ja-JP" altLang="en-US"/>
+          <a:bodyPr>
+            <a:normAutofit/>
+          </a:bodyPr>
+          <a:lstStyle/>
+          <a:p>
+            <a:r>
+              <a:rPr kumimoji="1" lang="ja-JP" altLang="en-US" sz="2000" dirty="0" smtClean="0"/>
+              <a:t>デザイン面</a:t>
+            </a:r>
+            <a:endParaRPr kumimoji="1" lang="en-US" altLang="ja-JP" sz="2000" dirty="0" smtClean="0"/>
+          </a:p>
+          <a:p>
+            <a:pPr lvl="1"/>
+            <a:r>
+              <a:rPr lang="ja-JP" altLang="en-US" sz="2000" dirty="0" smtClean="0"/>
+              <a:t>スッピン、ファイターのモデル完了！ 　スッピンは実装</a:t>
+            </a:r>
+            <a:endParaRPr kumimoji="1" lang="ja-JP" altLang="en-US" sz="2000" dirty="0"/>
+          </a:p>
+        </p:txBody>
+      </p:sp>
+      <p:pic>
+        <p:nvPicPr>
+          <p:cNvPr id="1026" name="Picture 2" descr="C:\Users\2130071\Desktop\Baidu IME_2016-11-15_14-21-19.jpg"/>
+          <p:cNvPicPr>
+            <a:picLocks noChangeAspect="1" noChangeArrowheads="1"/>
+          </p:cNvPicPr>
+          <p:nvPr/>
+        </p:nvPicPr>
+        <p:blipFill>
+          <a:blip r:embed="rId2" cstate="print">
+            <a:extLst>
+              <a:ext uri="{28A0092B-C50C-407E-A947-70E740481C1C}">
+                <a14:useLocalDpi xmlns:a14="http://schemas.microsoft.com/office/drawing/2010/main" val="0"/>
+              </a:ext>
+            </a:extLst>
+          </a:blip>
+          <a:srcRect/>
+          <a:stretch>
+            <a:fillRect/>
+          </a:stretch>
+        </p:blipFill>
+        <p:spPr bwMode="auto">
+          <a:xfrm>
+            <a:off x="1187624" y="1995686"/>
+            <a:ext cx="2517080" cy="2904945"/>
+          </a:xfrm>
+          <a:prstGeom prst="rect">
+            <a:avLst/>
+          </a:prstGeom>
+          <a:noFill/>
+          <a:effectLst>
+            <a:outerShdw blurRad="50800" dist="38100" dir="2700000" algn="tl" rotWithShape="0">
+              <a:prstClr val="black">
+                <a:alpha val="40000"/>
+              </a:prstClr>
+            </a:outerShdw>
+          </a:effectLst>
+          <a:extLst>
+            <a:ext uri="{909E8E84-426E-40DD-AFC4-6F175D3DCCD1}">
+              <a14:hiddenFill xmlns:a14="http://schemas.microsoft.com/office/drawing/2010/main">
+                <a:solidFill>
+                  <a:srgbClr val="FFFFFF"/>
+                </a:solidFill>
+              </a14:hiddenFill>
+            </a:ext>
+          </a:extLst>
+        </p:spPr>
+      </p:pic>
+      <p:pic>
+        <p:nvPicPr>
+          <p:cNvPr id="4" name="Picture 2" descr="C:\Users\2130071\Desktop\Baidu IME_2016-11-16_14-51-20.jpg"/>
+          <p:cNvPicPr>
+            <a:picLocks noChangeAspect="1" noChangeArrowheads="1"/>
+          </p:cNvPicPr>
+          <p:nvPr/>
+        </p:nvPicPr>
+        <p:blipFill>
+          <a:blip r:embed="rId3" cstate="print">
+            <a:extLst>
+              <a:ext uri="{28A0092B-C50C-407E-A947-70E740481C1C}">
+                <a14:useLocalDpi xmlns:a14="http://schemas.microsoft.com/office/drawing/2010/main" val="0"/>
+              </a:ext>
+            </a:extLst>
+          </a:blip>
+          <a:srcRect/>
+          <a:stretch>
+            <a:fillRect/>
+          </a:stretch>
+        </p:blipFill>
+        <p:spPr bwMode="auto">
+          <a:xfrm>
+            <a:off x="4572000" y="1995684"/>
+            <a:ext cx="2622363" cy="2904945"/>
+          </a:xfrm>
+          <a:prstGeom prst="rect">
+            <a:avLst/>
+          </a:prstGeom>
+          <a:noFill/>
+          <a:effectLst>
+            <a:outerShdw blurRad="50800" dist="38100" dir="2700000" algn="tl" rotWithShape="0">
+              <a:prstClr val="black">
+                <a:alpha val="40000"/>
+              </a:prstClr>
+            </a:outerShdw>
+          </a:effectLst>
+          <a:extLst>
+            <a:ext uri="{909E8E84-426E-40DD-AFC4-6F175D3DCCD1}">
+              <a14:hiddenFill xmlns:a14="http://schemas.microsoft.com/office/drawing/2010/main">
+                <a:solidFill>
+                  <a:srgbClr val="FFFFFF"/>
+                </a:solidFill>
+              </a14:hiddenFill>
+            </a:ext>
+          </a:extLst>
+        </p:spPr>
+      </p:pic>
+      <p:sp>
+        <p:nvSpPr>
+          <p:cNvPr id="5" name="テキスト ボックス 4"/>
+          <p:cNvSpPr txBox="1"/>
+          <p:nvPr/>
+        </p:nvSpPr>
+        <p:spPr>
+          <a:xfrm>
+            <a:off x="323528" y="4155926"/>
+            <a:ext cx="2452916" cy="707886"/>
+          </a:xfrm>
+          <a:prstGeom prst="rect">
+            <a:avLst/>
+          </a:prstGeom>
+          <a:noFill/>
+        </p:spPr>
+        <p:txBody>
+          <a:bodyPr wrap="none" rtlCol="0">
+            <a:spAutoFit/>
+          </a:bodyPr>
+          <a:lstStyle/>
+          <a:p>
+            <a:r>
+              <a:rPr kumimoji="1" lang="ja-JP" altLang="en-US" sz="4000" dirty="0" smtClean="0">
+                <a:ln>
+                  <a:solidFill>
+                    <a:schemeClr val="tx1"/>
+                  </a:solidFill>
+                </a:ln>
+                <a:solidFill>
+                  <a:schemeClr val="bg1"/>
+                </a:solidFill>
+                <a:effectLst>
+                  <a:outerShdw blurRad="50800" dist="38100" dir="2700000" algn="tl" rotWithShape="0">
+                    <a:prstClr val="black">
+                      <a:alpha val="40000"/>
+                    </a:prstClr>
+                  </a:outerShdw>
+                </a:effectLst>
+                <a:latin typeface="AR PハイカラＰＯＰ体H" panose="020B0600010101010101" pitchFamily="50" charset="-128"/>
+                <a:ea typeface="AR PハイカラＰＯＰ体H" panose="020B0600010101010101" pitchFamily="50" charset="-128"/>
+              </a:rPr>
+              <a:t>スッピン君</a:t>
+            </a:r>
+            <a:endParaRPr kumimoji="1" lang="ja-JP" altLang="en-US" sz="4000" dirty="0">
+              <a:ln>
+                <a:solidFill>
+                  <a:schemeClr val="tx1"/>
+                </a:solidFill>
+              </a:ln>
+              <a:solidFill>
+                <a:schemeClr val="bg1"/>
+              </a:solidFill>
+              <a:effectLst>
+                <a:outerShdw blurRad="50800" dist="38100" dir="2700000" algn="tl" rotWithShape="0">
+                  <a:prstClr val="black">
+                    <a:alpha val="40000"/>
+                  </a:prstClr>
+                </a:outerShdw>
+              </a:effectLst>
+              <a:latin typeface="AR PハイカラＰＯＰ体H" panose="020B0600010101010101" pitchFamily="50" charset="-128"/>
+              <a:ea typeface="AR PハイカラＰＯＰ体H" panose="020B0600010101010101" pitchFamily="50" charset="-128"/>
+            </a:endParaRPr>
+          </a:p>
+        </p:txBody>
+      </p:sp>
+      <p:sp>
+        <p:nvSpPr>
+          <p:cNvPr id="7" name="テキスト ボックス 6"/>
+          <p:cNvSpPr txBox="1"/>
+          <p:nvPr/>
+        </p:nvSpPr>
+        <p:spPr>
+          <a:xfrm>
+            <a:off x="5580112" y="4155926"/>
+            <a:ext cx="2420856" cy="707886"/>
+          </a:xfrm>
+          <a:prstGeom prst="rect">
+            <a:avLst/>
+          </a:prstGeom>
+          <a:noFill/>
+        </p:spPr>
+        <p:txBody>
+          <a:bodyPr wrap="none" rtlCol="0">
+            <a:spAutoFit/>
+          </a:bodyPr>
+          <a:lstStyle/>
+          <a:p>
+            <a:r>
+              <a:rPr kumimoji="1" lang="ja-JP" altLang="en-US" sz="4000" dirty="0" smtClean="0">
+                <a:ln>
+                  <a:solidFill>
+                    <a:schemeClr val="tx1"/>
+                  </a:solidFill>
+                </a:ln>
+                <a:solidFill>
+                  <a:schemeClr val="bg1"/>
+                </a:solidFill>
+                <a:effectLst>
+                  <a:outerShdw blurRad="50800" dist="38100" dir="2700000" algn="tl" rotWithShape="0">
+                    <a:prstClr val="black">
+                      <a:alpha val="40000"/>
+                    </a:prstClr>
+                  </a:outerShdw>
+                </a:effectLst>
+                <a:latin typeface="AR PハイカラＰＯＰ体H" panose="020B0600010101010101" pitchFamily="50" charset="-128"/>
+                <a:ea typeface="AR PハイカラＰＯＰ体H" panose="020B0600010101010101" pitchFamily="50" charset="-128"/>
+              </a:rPr>
+              <a:t>ファイター</a:t>
+            </a:r>
+            <a:endParaRPr kumimoji="1" lang="ja-JP" altLang="en-US" sz="4000" dirty="0">
+              <a:ln>
+                <a:solidFill>
+                  <a:schemeClr val="tx1"/>
+                </a:solidFill>
+              </a:ln>
+              <a:solidFill>
+                <a:schemeClr val="bg1"/>
+              </a:solidFill>
+              <a:effectLst>
+                <a:outerShdw blurRad="50800" dist="38100" dir="2700000" algn="tl" rotWithShape="0">
+                  <a:prstClr val="black">
+                    <a:alpha val="40000"/>
+                  </a:prstClr>
+                </a:outerShdw>
+              </a:effectLst>
+              <a:latin typeface="AR PハイカラＰＯＰ体H" panose="020B0600010101010101" pitchFamily="50" charset="-128"/>
+              <a:ea typeface="AR PハイカラＰＯＰ体H" panose="020B0600010101010101" pitchFamily="50" charset="-128"/>
+            </a:endParaRPr>
           </a:p>
         </p:txBody>
       </p:sp>
     </p:spTree>
     <p:extLst>
       <p:ext uri="{BB962C8B-B14F-4D97-AF65-F5344CB8AC3E}">
-        <p14:creationId xmlns:p14="http://schemas.microsoft.com/office/powerpoint/2010/main" val="4090114508"/>
+        <p14:creationId xmlns:p14="http://schemas.microsoft.com/office/powerpoint/2010/main" val="1773572301"/>
       </p:ext>
     </p:extLst>
   </p:cSld>
@@ -7271,17 +7868,127 @@
         </p:nvSpPr>
         <p:spPr/>
         <p:txBody>
-          <a:bodyPr/>
-          <a:lstStyle/>
-          <a:p>
-            <a:endParaRPr kumimoji="1" lang="ja-JP" altLang="en-US"/>
-          </a:p>
-        </p:txBody>
-      </p:sp>
+          <a:bodyPr>
+            <a:normAutofit/>
+          </a:bodyPr>
+          <a:lstStyle/>
+          <a:p>
+            <a:r>
+              <a:rPr kumimoji="1" lang="ja-JP" altLang="en-US" sz="2000" dirty="0" smtClean="0"/>
+              <a:t>デザイン面</a:t>
+            </a:r>
+            <a:endParaRPr kumimoji="1" lang="en-US" altLang="ja-JP" sz="2000" dirty="0" smtClean="0"/>
+          </a:p>
+          <a:p>
+            <a:pPr lvl="1"/>
+            <a:r>
+              <a:rPr kumimoji="1" lang="ja-JP" altLang="en-US" sz="2000" dirty="0" smtClean="0"/>
+              <a:t>戦いの舞台であるステージは現在テクスチャ制作中！</a:t>
+            </a:r>
+            <a:endParaRPr kumimoji="1" lang="ja-JP" altLang="en-US" sz="2000" dirty="0"/>
+          </a:p>
+        </p:txBody>
+      </p:sp>
+      <p:pic>
+        <p:nvPicPr>
+          <p:cNvPr id="2050" name="Picture 2" descr="C:\Users\2130071\Desktop\stage01.png"/>
+          <p:cNvPicPr>
+            <a:picLocks noChangeAspect="1" noChangeArrowheads="1"/>
+          </p:cNvPicPr>
+          <p:nvPr/>
+        </p:nvPicPr>
+        <p:blipFill>
+          <a:blip r:embed="rId2" cstate="print">
+            <a:extLst>
+              <a:ext uri="{28A0092B-C50C-407E-A947-70E740481C1C}">
+                <a14:useLocalDpi xmlns:a14="http://schemas.microsoft.com/office/drawing/2010/main" val="0"/>
+              </a:ext>
+            </a:extLst>
+          </a:blip>
+          <a:srcRect/>
+          <a:stretch>
+            <a:fillRect/>
+          </a:stretch>
+        </p:blipFill>
+        <p:spPr bwMode="auto">
+          <a:xfrm>
+            <a:off x="611560" y="2211710"/>
+            <a:ext cx="3212605" cy="2445603"/>
+          </a:xfrm>
+          <a:prstGeom prst="rect">
+            <a:avLst/>
+          </a:prstGeom>
+          <a:noFill/>
+          <a:effectLst>
+            <a:outerShdw blurRad="50800" dist="38100" dir="2700000" algn="tl" rotWithShape="0">
+              <a:prstClr val="black">
+                <a:alpha val="40000"/>
+              </a:prstClr>
+            </a:outerShdw>
+          </a:effectLst>
+          <a:extLst>
+            <a:ext uri="{909E8E84-426E-40DD-AFC4-6F175D3DCCD1}">
+              <a14:hiddenFill xmlns:a14="http://schemas.microsoft.com/office/drawing/2010/main">
+                <a:solidFill>
+                  <a:srgbClr val="FFFFFF"/>
+                </a:solidFill>
+              </a14:hiddenFill>
+            </a:ext>
+          </a:extLst>
+        </p:spPr>
+      </p:pic>
+      <p:pic>
+        <p:nvPicPr>
+          <p:cNvPr id="2051" name="Picture 3" descr="C:\Users\2130071\Desktop\stage02.png"/>
+          <p:cNvPicPr>
+            <a:picLocks noChangeAspect="1" noChangeArrowheads="1"/>
+          </p:cNvPicPr>
+          <p:nvPr/>
+        </p:nvPicPr>
+        <p:blipFill>
+          <a:blip r:embed="rId3" cstate="print">
+            <a:extLst>
+              <a:ext uri="{28A0092B-C50C-407E-A947-70E740481C1C}">
+                <a14:useLocalDpi xmlns:a14="http://schemas.microsoft.com/office/drawing/2010/main" val="0"/>
+              </a:ext>
+            </a:extLst>
+          </a:blip>
+          <a:srcRect/>
+          <a:stretch>
+            <a:fillRect/>
+          </a:stretch>
+        </p:blipFill>
+        <p:spPr bwMode="auto">
+          <a:xfrm>
+            <a:off x="4283968" y="2211710"/>
+            <a:ext cx="4328406" cy="2424722"/>
+          </a:xfrm>
+          <a:prstGeom prst="rect">
+            <a:avLst/>
+          </a:prstGeom>
+          <a:noFill/>
+          <a:effectLst>
+            <a:outerShdw blurRad="50800" dist="38100" dir="2700000" algn="tl" rotWithShape="0">
+              <a:prstClr val="black">
+                <a:alpha val="40000"/>
+              </a:prstClr>
+            </a:outerShdw>
+          </a:effectLst>
+          <a:extLst>
+            <a:ext uri="{909E8E84-426E-40DD-AFC4-6F175D3DCCD1}">
+              <a14:hiddenFill xmlns:a14="http://schemas.microsoft.com/office/drawing/2010/main">
+                <a:solidFill>
+                  <a:srgbClr val="FFFFFF"/>
+                </a:solidFill>
+              </a14:hiddenFill>
+            </a:ext>
+          </a:extLst>
+        </p:spPr>
+      </p:pic>
     </p:spTree>
     <p:extLst>
       <p:ext uri="{BB962C8B-B14F-4D97-AF65-F5344CB8AC3E}">
-        <p14:creationId xmlns:p14="http://schemas.microsoft.com/office/powerpoint/2010/main" val="4090114508"/>
+        <p14:creationId xmlns:p14="http://schemas.microsoft.com/office/powerpoint/2010/main" val="4235410542"/>
       </p:ext>
     </p:extLst>
   </p:cSld>

--- a/仕様/プレゼンテーション/第二回発表.pptx
+++ b/仕様/プレゼンテーション/第二回発表.pptx
@@ -5,7 +5,7 @@
     <p:sldMasterId id="2147483720" r:id="rId1"/>
   </p:sldMasterIdLst>
   <p:notesMasterIdLst>
-    <p:notesMasterId r:id="rId17"/>
+    <p:notesMasterId r:id="rId14"/>
   </p:notesMasterIdLst>
   <p:sldIdLst>
     <p:sldId id="256" r:id="rId2"/>
@@ -17,12 +17,9 @@
     <p:sldId id="294" r:id="rId8"/>
     <p:sldId id="282" r:id="rId9"/>
     <p:sldId id="290" r:id="rId10"/>
-    <p:sldId id="295" r:id="rId11"/>
-    <p:sldId id="283" r:id="rId12"/>
-    <p:sldId id="291" r:id="rId13"/>
-    <p:sldId id="292" r:id="rId14"/>
-    <p:sldId id="296" r:id="rId15"/>
-    <p:sldId id="279" r:id="rId16"/>
+    <p:sldId id="292" r:id="rId11"/>
+    <p:sldId id="296" r:id="rId12"/>
+    <p:sldId id="279" r:id="rId13"/>
   </p:sldIdLst>
   <p:sldSz cx="9144000" cy="5143500" type="screen16x9"/>
   <p:notesSz cx="6858000" cy="9144000"/>
@@ -504,6 +501,101 @@
     </a:lvl9pPr>
   </p:notesStyle>
 </p:notesMaster>
+</file>
+
+<file path=ppt/notesSlides/notesSlide1.xml><?xml version="1.0" encoding="utf-8"?>
+<p:notes xmlns:a="http://schemas.openxmlformats.org/drawingml/2006/main" xmlns:r="http://schemas.openxmlformats.org/officeDocument/2006/relationships" xmlns:p="http://schemas.openxmlformats.org/presentationml/2006/main">
+  <p:cSld>
+    <p:spTree>
+      <p:nvGrpSpPr>
+        <p:cNvPr id="1" name=""/>
+        <p:cNvGrpSpPr/>
+        <p:nvPr/>
+      </p:nvGrpSpPr>
+      <p:grpSpPr>
+        <a:xfrm>
+          <a:off x="0" y="0"/>
+          <a:ext cx="0" cy="0"/>
+          <a:chOff x="0" y="0"/>
+          <a:chExt cx="0" cy="0"/>
+        </a:xfrm>
+      </p:grpSpPr>
+      <p:sp>
+        <p:nvSpPr>
+          <p:cNvPr id="2" name="スライド イメージ プレースホルダー 1"/>
+          <p:cNvSpPr>
+            <a:spLocks noGrp="1" noRot="1" noChangeAspect="1"/>
+          </p:cNvSpPr>
+          <p:nvPr>
+            <p:ph type="sldImg"/>
+          </p:nvPr>
+        </p:nvSpPr>
+        <p:spPr/>
+      </p:sp>
+      <p:sp>
+        <p:nvSpPr>
+          <p:cNvPr id="3" name="ノート プレースホルダー 2"/>
+          <p:cNvSpPr>
+            <a:spLocks noGrp="1"/>
+          </p:cNvSpPr>
+          <p:nvPr>
+            <p:ph type="body" idx="1"/>
+          </p:nvPr>
+        </p:nvSpPr>
+        <p:spPr/>
+        <p:txBody>
+          <a:bodyPr/>
+          <a:lstStyle/>
+          <a:p>
+            <a:r>
+              <a:rPr kumimoji="1" lang="ja-JP" altLang="en-US" dirty="0" smtClean="0"/>
+              <a:t>敵キャラの紹介も忘れず！</a:t>
+            </a:r>
+            <a:endParaRPr kumimoji="1" lang="en-US" altLang="ja-JP" dirty="0" smtClean="0"/>
+          </a:p>
+          <a:p>
+            <a:r>
+              <a:rPr kumimoji="1" lang="ja-JP" altLang="en-US" dirty="0" smtClean="0"/>
+              <a:t>現在ラフが上がって、モデルの製作段階に入っている</a:t>
+            </a:r>
+            <a:endParaRPr kumimoji="1" lang="ja-JP" altLang="en-US" dirty="0"/>
+          </a:p>
+        </p:txBody>
+      </p:sp>
+      <p:sp>
+        <p:nvSpPr>
+          <p:cNvPr id="4" name="スライド番号プレースホルダー 3"/>
+          <p:cNvSpPr>
+            <a:spLocks noGrp="1"/>
+          </p:cNvSpPr>
+          <p:nvPr>
+            <p:ph type="sldNum" sz="quarter" idx="10"/>
+          </p:nvPr>
+        </p:nvSpPr>
+        <p:spPr/>
+        <p:txBody>
+          <a:bodyPr/>
+          <a:lstStyle/>
+          <a:p>
+            <a:fld id="{917D347F-F281-4828-BA46-1DDEB626BA2B}" type="slidenum">
+              <a:rPr kumimoji="1" lang="ja-JP" altLang="en-US" smtClean="0"/>
+              <a:t>9</a:t>
+            </a:fld>
+            <a:endParaRPr kumimoji="1" lang="ja-JP" altLang="en-US"/>
+          </a:p>
+        </p:txBody>
+      </p:sp>
+    </p:spTree>
+    <p:extLst>
+      <p:ext uri="{BB962C8B-B14F-4D97-AF65-F5344CB8AC3E}">
+        <p14:creationId xmlns:p14="http://schemas.microsoft.com/office/powerpoint/2010/main" val="2442187245"/>
+      </p:ext>
+    </p:extLst>
+  </p:cSld>
+  <p:clrMapOvr>
+    <a:masterClrMapping/>
+  </p:clrMapOvr>
+</p:notes>
 </file>
 
 <file path=ppt/slideLayouts/slideLayout1.xml><?xml version="1.0" encoding="utf-8"?>
@@ -5869,58 +5961,41 @@
             <p:ph type="title"/>
           </p:nvPr>
         </p:nvSpPr>
-        <p:spPr/>
+        <p:spPr>
+          <a:xfrm>
+            <a:off x="457200" y="1635646"/>
+            <a:ext cx="8363272" cy="1656184"/>
+          </a:xfrm>
+        </p:spPr>
         <p:txBody>
           <a:bodyPr>
-            <a:normAutofit/>
+            <a:noAutofit/>
           </a:bodyPr>
           <a:lstStyle/>
           <a:p>
             <a:r>
-              <a:rPr kumimoji="1" lang="ja-JP" altLang="en-US" dirty="0" smtClean="0"/>
-              <a:t>今のハンブレ進捗状況</a:t>
-            </a:r>
-            <a:endParaRPr kumimoji="1" lang="ja-JP" altLang="en-US" dirty="0"/>
-          </a:p>
-        </p:txBody>
-      </p:sp>
-      <p:sp>
-        <p:nvSpPr>
-          <p:cNvPr id="3" name="コンテンツ プレースホルダー 2"/>
-          <p:cNvSpPr>
-            <a:spLocks noGrp="1"/>
-          </p:cNvSpPr>
-          <p:nvPr>
-            <p:ph sz="quarter" idx="1"/>
-          </p:nvPr>
-        </p:nvSpPr>
-        <p:spPr/>
-        <p:txBody>
-          <a:bodyPr>
-            <a:normAutofit/>
-          </a:bodyPr>
-          <a:lstStyle/>
-          <a:p>
-            <a:r>
-              <a:rPr kumimoji="1" lang="ja-JP" altLang="en-US" sz="2000" dirty="0" smtClean="0"/>
-              <a:t>デザイン面</a:t>
-            </a:r>
-            <a:endParaRPr kumimoji="1" lang="en-US" altLang="ja-JP" sz="2000" dirty="0" smtClean="0"/>
-          </a:p>
-          <a:p>
-            <a:pPr lvl="1"/>
-            <a:r>
-              <a:rPr kumimoji="1" lang="ja-JP" altLang="en-US" sz="2000" dirty="0" smtClean="0"/>
-              <a:t>敵キャラは現在ラフが完了！　鋭意モデル製作中！</a:t>
-            </a:r>
-            <a:endParaRPr kumimoji="1" lang="ja-JP" altLang="en-US" sz="2000" dirty="0"/>
+              <a:rPr kumimoji="1" lang="ja-JP" altLang="en-US" sz="4800" dirty="0" smtClean="0"/>
+              <a:t>では、実機プレイに参ります</a:t>
+            </a:r>
+            <a:r>
+              <a:rPr kumimoji="1" lang="en-US" altLang="ja-JP" sz="4800" dirty="0" smtClean="0"/>
+              <a:t/>
+            </a:r>
+            <a:br>
+              <a:rPr kumimoji="1" lang="en-US" altLang="ja-JP" sz="4800" dirty="0" smtClean="0"/>
+            </a:br>
+            <a:r>
+              <a:rPr lang="ja-JP" altLang="en-US" sz="4800" dirty="0" smtClean="0"/>
+              <a:t>少々お待ちくださいませ</a:t>
+            </a:r>
+            <a:endParaRPr kumimoji="1" lang="ja-JP" altLang="en-US" sz="4800" dirty="0"/>
           </a:p>
         </p:txBody>
       </p:sp>
     </p:spTree>
     <p:extLst>
       <p:ext uri="{BB962C8B-B14F-4D97-AF65-F5344CB8AC3E}">
-        <p14:creationId xmlns:p14="http://schemas.microsoft.com/office/powerpoint/2010/main" val="3021558547"/>
+        <p14:creationId xmlns:p14="http://schemas.microsoft.com/office/powerpoint/2010/main" val="4267696760"/>
       </p:ext>
     </p:extLst>
   </p:cSld>
@@ -5966,54 +6041,126 @@
         </p:nvSpPr>
         <p:spPr/>
         <p:txBody>
+          <a:bodyPr/>
+          <a:lstStyle/>
+          <a:p>
+            <a:r>
+              <a:rPr kumimoji="1" lang="ja-JP" altLang="en-US" dirty="0" smtClean="0"/>
+              <a:t>今後の実装予定＆次回発表内容</a:t>
+            </a:r>
+            <a:r>
+              <a:rPr kumimoji="1" lang="en-US" altLang="ja-JP" dirty="0" smtClean="0"/>
+              <a:t>(</a:t>
+            </a:r>
+            <a:r>
+              <a:rPr kumimoji="1" lang="ja-JP" altLang="en-US" dirty="0" smtClean="0"/>
+              <a:t>予定</a:t>
+            </a:r>
+            <a:r>
+              <a:rPr kumimoji="1" lang="en-US" altLang="ja-JP" dirty="0" smtClean="0"/>
+              <a:t>)</a:t>
+            </a:r>
+            <a:endParaRPr kumimoji="1" lang="ja-JP" altLang="en-US" dirty="0"/>
+          </a:p>
+        </p:txBody>
+      </p:sp>
+      <p:sp>
+        <p:nvSpPr>
+          <p:cNvPr id="3" name="コンテンツ プレースホルダー 2"/>
+          <p:cNvSpPr>
+            <a:spLocks noGrp="1"/>
+          </p:cNvSpPr>
+          <p:nvPr>
+            <p:ph sz="quarter" idx="1"/>
+          </p:nvPr>
+        </p:nvSpPr>
+        <p:spPr>
+          <a:xfrm>
+            <a:off x="457200" y="1704206"/>
+            <a:ext cx="8686800" cy="2451720"/>
+          </a:xfrm>
+        </p:spPr>
+        <p:txBody>
           <a:bodyPr>
             <a:normAutofit/>
           </a:bodyPr>
           <a:lstStyle/>
           <a:p>
             <a:r>
+              <a:rPr lang="ja-JP" altLang="en-US" dirty="0"/>
+              <a:t>就</a:t>
+            </a:r>
+            <a:r>
+              <a:rPr lang="ja-JP" altLang="en-US" dirty="0" smtClean="0"/>
+              <a:t>活でのプログラム遅れを全力で取り戻します</a:t>
+            </a:r>
+            <a:r>
+              <a:rPr lang="en-US" altLang="ja-JP" dirty="0" smtClean="0"/>
+              <a:t>(</a:t>
+            </a:r>
+            <a:r>
+              <a:rPr lang="ja-JP" altLang="en-US" dirty="0" smtClean="0"/>
+              <a:t>汗</a:t>
+            </a:r>
+            <a:r>
+              <a:rPr lang="en-US" altLang="ja-JP" dirty="0" smtClean="0"/>
+              <a:t>)</a:t>
+            </a:r>
+          </a:p>
+          <a:p>
+            <a:endParaRPr kumimoji="1" lang="en-US" altLang="ja-JP" dirty="0"/>
+          </a:p>
+          <a:p>
+            <a:r>
               <a:rPr kumimoji="1" lang="ja-JP" altLang="en-US" dirty="0" smtClean="0"/>
-              <a:t>今のハンブレ進捗状況</a:t>
+              <a:t>デザイン面は随時素材を</a:t>
+            </a:r>
+            <a:r>
+              <a:rPr lang="ja-JP" altLang="en-US" dirty="0" smtClean="0"/>
+              <a:t>投入</a:t>
+            </a:r>
+            <a:r>
+              <a:rPr lang="ja-JP" altLang="en-US" dirty="0"/>
+              <a:t>　</a:t>
+            </a:r>
+            <a:r>
+              <a:rPr lang="ja-JP" altLang="en-US" dirty="0" smtClean="0"/>
+              <a:t>次はもっと華やかに！？</a:t>
+            </a:r>
+            <a:endParaRPr lang="en-US" altLang="ja-JP" dirty="0" smtClean="0"/>
+          </a:p>
+          <a:p>
+            <a:endParaRPr kumimoji="1" lang="en-US" altLang="ja-JP" dirty="0"/>
+          </a:p>
+          <a:p>
+            <a:r>
+              <a:rPr kumimoji="1" lang="en-US" altLang="ja-JP" dirty="0" smtClean="0"/>
+              <a:t>(</a:t>
+            </a:r>
+            <a:r>
+              <a:rPr kumimoji="1" lang="ja-JP" altLang="en-US" dirty="0" smtClean="0"/>
+              <a:t>当然ですが</a:t>
+            </a:r>
+            <a:r>
+              <a:rPr kumimoji="1" lang="en-US" altLang="ja-JP" dirty="0" smtClean="0"/>
+              <a:t>)</a:t>
+            </a:r>
+            <a:r>
+              <a:rPr lang="ja-JP" altLang="en-US" dirty="0" smtClean="0"/>
+              <a:t>次回こそは遊べる</a:t>
+            </a:r>
+            <a:r>
+              <a:rPr kumimoji="1" lang="ja-JP" altLang="en-US" dirty="0" smtClean="0"/>
+              <a:t>状態にします。</a:t>
             </a:r>
             <a:endParaRPr kumimoji="1" lang="ja-JP" altLang="en-US" dirty="0"/>
-          </a:p>
-        </p:txBody>
-      </p:sp>
-      <p:sp>
-        <p:nvSpPr>
-          <p:cNvPr id="3" name="コンテンツ プレースホルダー 2"/>
-          <p:cNvSpPr>
-            <a:spLocks noGrp="1"/>
-          </p:cNvSpPr>
-          <p:nvPr>
-            <p:ph sz="quarter" idx="1"/>
-          </p:nvPr>
-        </p:nvSpPr>
-        <p:spPr/>
-        <p:txBody>
-          <a:bodyPr/>
-          <a:lstStyle/>
-          <a:p>
-            <a:r>
-              <a:rPr lang="ja-JP" altLang="en-US" dirty="0" smtClean="0"/>
-              <a:t>プログラム面</a:t>
-            </a:r>
-            <a:endParaRPr lang="en-US" altLang="ja-JP" dirty="0"/>
-          </a:p>
-          <a:p>
-            <a:pPr lvl="1"/>
-            <a:r>
-              <a:rPr lang="ja-JP" altLang="en-US" dirty="0" smtClean="0"/>
-              <a:t>通信周りがやっとの思いで安定！！</a:t>
-            </a:r>
-            <a:endParaRPr lang="en-US" altLang="ja-JP" dirty="0" smtClean="0"/>
           </a:p>
         </p:txBody>
       </p:sp>
     </p:spTree>
     <p:extLst>
       <p:ext uri="{BB962C8B-B14F-4D97-AF65-F5344CB8AC3E}">
-        <p14:creationId xmlns:p14="http://schemas.microsoft.com/office/powerpoint/2010/main" val="4090114508"/>
+        <p14:creationId xmlns:p14="http://schemas.microsoft.com/office/powerpoint/2010/main" val="282877166"/>
       </p:ext>
     </p:extLst>
   </p:cSld>
@@ -6057,286 +6204,6 @@
             <p:ph type="title"/>
           </p:nvPr>
         </p:nvSpPr>
-        <p:spPr/>
-        <p:txBody>
-          <a:bodyPr>
-            <a:normAutofit/>
-          </a:bodyPr>
-          <a:lstStyle/>
-          <a:p>
-            <a:r>
-              <a:rPr kumimoji="1" lang="ja-JP" altLang="en-US" dirty="0" smtClean="0"/>
-              <a:t>今のハンブレ進捗状況</a:t>
-            </a:r>
-            <a:endParaRPr kumimoji="1" lang="ja-JP" altLang="en-US" dirty="0"/>
-          </a:p>
-        </p:txBody>
-      </p:sp>
-      <p:sp>
-        <p:nvSpPr>
-          <p:cNvPr id="3" name="コンテンツ プレースホルダー 2"/>
-          <p:cNvSpPr>
-            <a:spLocks noGrp="1"/>
-          </p:cNvSpPr>
-          <p:nvPr>
-            <p:ph sz="quarter" idx="1"/>
-          </p:nvPr>
-        </p:nvSpPr>
-        <p:spPr/>
-        <p:txBody>
-          <a:bodyPr/>
-          <a:lstStyle/>
-          <a:p>
-            <a:r>
-              <a:rPr lang="ja-JP" altLang="en-US" dirty="0" smtClean="0"/>
-              <a:t>プログラム面</a:t>
-            </a:r>
-            <a:endParaRPr lang="en-US" altLang="ja-JP" dirty="0" smtClean="0"/>
-          </a:p>
-          <a:p>
-            <a:pPr lvl="1"/>
-            <a:r>
-              <a:rPr lang="en-US" altLang="ja-JP" dirty="0" smtClean="0"/>
-              <a:t>UI</a:t>
-            </a:r>
-            <a:r>
-              <a:rPr lang="ja-JP" altLang="en-US" dirty="0" smtClean="0"/>
-              <a:t>も配置完了！　これで思う存分殴り合えます。</a:t>
-            </a:r>
-            <a:endParaRPr lang="en-US" altLang="ja-JP" dirty="0" smtClean="0"/>
-          </a:p>
-          <a:p>
-            <a:pPr lvl="1"/>
-            <a:endParaRPr lang="en-US" altLang="ja-JP" dirty="0"/>
-          </a:p>
-        </p:txBody>
-      </p:sp>
-    </p:spTree>
-    <p:extLst>
-      <p:ext uri="{BB962C8B-B14F-4D97-AF65-F5344CB8AC3E}">
-        <p14:creationId xmlns:p14="http://schemas.microsoft.com/office/powerpoint/2010/main" val="540115164"/>
-      </p:ext>
-    </p:extLst>
-  </p:cSld>
-  <p:clrMapOvr>
-    <a:masterClrMapping/>
-  </p:clrMapOvr>
-  <p:timing>
-    <p:tnLst>
-      <p:par>
-        <p:cTn id="1" dur="indefinite" restart="never" nodeType="tmRoot"/>
-      </p:par>
-    </p:tnLst>
-  </p:timing>
-</p:sld>
-</file>
-
-<file path=ppt/slides/slide13.xml><?xml version="1.0" encoding="utf-8"?>
-<p:sld xmlns:a="http://schemas.openxmlformats.org/drawingml/2006/main" xmlns:r="http://schemas.openxmlformats.org/officeDocument/2006/relationships" xmlns:p="http://schemas.openxmlformats.org/presentationml/2006/main">
-  <p:cSld>
-    <p:spTree>
-      <p:nvGrpSpPr>
-        <p:cNvPr id="1" name=""/>
-        <p:cNvGrpSpPr/>
-        <p:nvPr/>
-      </p:nvGrpSpPr>
-      <p:grpSpPr>
-        <a:xfrm>
-          <a:off x="0" y="0"/>
-          <a:ext cx="0" cy="0"/>
-          <a:chOff x="0" y="0"/>
-          <a:chExt cx="0" cy="0"/>
-        </a:xfrm>
-      </p:grpSpPr>
-      <p:sp>
-        <p:nvSpPr>
-          <p:cNvPr id="2" name="タイトル 1"/>
-          <p:cNvSpPr>
-            <a:spLocks noGrp="1"/>
-          </p:cNvSpPr>
-          <p:nvPr>
-            <p:ph type="title"/>
-          </p:nvPr>
-        </p:nvSpPr>
-        <p:spPr>
-          <a:xfrm>
-            <a:off x="457200" y="1635646"/>
-            <a:ext cx="8363272" cy="1656184"/>
-          </a:xfrm>
-        </p:spPr>
-        <p:txBody>
-          <a:bodyPr>
-            <a:noAutofit/>
-          </a:bodyPr>
-          <a:lstStyle/>
-          <a:p>
-            <a:r>
-              <a:rPr kumimoji="1" lang="ja-JP" altLang="en-US" sz="4800" dirty="0" smtClean="0"/>
-              <a:t>では、実機プレイに参ります</a:t>
-            </a:r>
-            <a:r>
-              <a:rPr kumimoji="1" lang="en-US" altLang="ja-JP" sz="4800" dirty="0" smtClean="0"/>
-              <a:t/>
-            </a:r>
-            <a:br>
-              <a:rPr kumimoji="1" lang="en-US" altLang="ja-JP" sz="4800" dirty="0" smtClean="0"/>
-            </a:br>
-            <a:r>
-              <a:rPr lang="ja-JP" altLang="en-US" sz="4800" dirty="0" smtClean="0"/>
-              <a:t>少々お待ちくださいませ</a:t>
-            </a:r>
-            <a:endParaRPr kumimoji="1" lang="ja-JP" altLang="en-US" sz="4800" dirty="0"/>
-          </a:p>
-        </p:txBody>
-      </p:sp>
-    </p:spTree>
-    <p:extLst>
-      <p:ext uri="{BB962C8B-B14F-4D97-AF65-F5344CB8AC3E}">
-        <p14:creationId xmlns:p14="http://schemas.microsoft.com/office/powerpoint/2010/main" val="4267696760"/>
-      </p:ext>
-    </p:extLst>
-  </p:cSld>
-  <p:clrMapOvr>
-    <a:masterClrMapping/>
-  </p:clrMapOvr>
-</p:sld>
-</file>
-
-<file path=ppt/slides/slide14.xml><?xml version="1.0" encoding="utf-8"?>
-<p:sld xmlns:a="http://schemas.openxmlformats.org/drawingml/2006/main" xmlns:r="http://schemas.openxmlformats.org/officeDocument/2006/relationships" xmlns:p="http://schemas.openxmlformats.org/presentationml/2006/main">
-  <p:cSld>
-    <p:spTree>
-      <p:nvGrpSpPr>
-        <p:cNvPr id="1" name=""/>
-        <p:cNvGrpSpPr/>
-        <p:nvPr/>
-      </p:nvGrpSpPr>
-      <p:grpSpPr>
-        <a:xfrm>
-          <a:off x="0" y="0"/>
-          <a:ext cx="0" cy="0"/>
-          <a:chOff x="0" y="0"/>
-          <a:chExt cx="0" cy="0"/>
-        </a:xfrm>
-      </p:grpSpPr>
-      <p:sp>
-        <p:nvSpPr>
-          <p:cNvPr id="2" name="タイトル 1"/>
-          <p:cNvSpPr>
-            <a:spLocks noGrp="1"/>
-          </p:cNvSpPr>
-          <p:nvPr>
-            <p:ph type="title"/>
-          </p:nvPr>
-        </p:nvSpPr>
-        <p:spPr/>
-        <p:txBody>
-          <a:bodyPr/>
-          <a:lstStyle/>
-          <a:p>
-            <a:r>
-              <a:rPr kumimoji="1" lang="ja-JP" altLang="en-US" dirty="0" smtClean="0"/>
-              <a:t>今後の実装予定＆次回発表内容</a:t>
-            </a:r>
-            <a:r>
-              <a:rPr kumimoji="1" lang="en-US" altLang="ja-JP" dirty="0" smtClean="0"/>
-              <a:t>(</a:t>
-            </a:r>
-            <a:r>
-              <a:rPr kumimoji="1" lang="ja-JP" altLang="en-US" dirty="0" smtClean="0"/>
-              <a:t>予定</a:t>
-            </a:r>
-            <a:r>
-              <a:rPr kumimoji="1" lang="en-US" altLang="ja-JP" dirty="0" smtClean="0"/>
-              <a:t>)</a:t>
-            </a:r>
-            <a:endParaRPr kumimoji="1" lang="ja-JP" altLang="en-US" dirty="0"/>
-          </a:p>
-        </p:txBody>
-      </p:sp>
-      <p:sp>
-        <p:nvSpPr>
-          <p:cNvPr id="3" name="コンテンツ プレースホルダー 2"/>
-          <p:cNvSpPr>
-            <a:spLocks noGrp="1"/>
-          </p:cNvSpPr>
-          <p:nvPr>
-            <p:ph sz="quarter" idx="1"/>
-          </p:nvPr>
-        </p:nvSpPr>
-        <p:spPr/>
-        <p:txBody>
-          <a:bodyPr/>
-          <a:lstStyle/>
-          <a:p>
-            <a:r>
-              <a:rPr kumimoji="1" lang="ja-JP" altLang="en-US" dirty="0" smtClean="0"/>
-              <a:t>ついにアップグレードを実装予定</a:t>
-            </a:r>
-            <a:endParaRPr kumimoji="1" lang="en-US" altLang="ja-JP" dirty="0" smtClean="0"/>
-          </a:p>
-          <a:p>
-            <a:endParaRPr lang="en-US" altLang="ja-JP" dirty="0"/>
-          </a:p>
-          <a:p>
-            <a:r>
-              <a:rPr kumimoji="1" lang="ja-JP" altLang="en-US" dirty="0" smtClean="0"/>
-              <a:t>敵キャラ本実装開始</a:t>
-            </a:r>
-            <a:endParaRPr kumimoji="1" lang="en-US" altLang="ja-JP" dirty="0" smtClean="0"/>
-          </a:p>
-          <a:p>
-            <a:endParaRPr lang="en-US" altLang="ja-JP" dirty="0"/>
-          </a:p>
-          <a:p>
-            <a:r>
-              <a:rPr kumimoji="1" lang="ja-JP" altLang="en-US" dirty="0" smtClean="0"/>
-              <a:t>プレイヤーに新行動追加！？</a:t>
-            </a:r>
-            <a:endParaRPr kumimoji="1" lang="ja-JP" altLang="en-US" dirty="0"/>
-          </a:p>
-        </p:txBody>
-      </p:sp>
-    </p:spTree>
-    <p:extLst>
-      <p:ext uri="{BB962C8B-B14F-4D97-AF65-F5344CB8AC3E}">
-        <p14:creationId xmlns:p14="http://schemas.microsoft.com/office/powerpoint/2010/main" val="282877166"/>
-      </p:ext>
-    </p:extLst>
-  </p:cSld>
-  <p:clrMapOvr>
-    <a:masterClrMapping/>
-  </p:clrMapOvr>
-</p:sld>
-</file>
-
-<file path=ppt/slides/slide15.xml><?xml version="1.0" encoding="utf-8"?>
-<p:sld xmlns:a="http://schemas.openxmlformats.org/drawingml/2006/main" xmlns:r="http://schemas.openxmlformats.org/officeDocument/2006/relationships" xmlns:p="http://schemas.openxmlformats.org/presentationml/2006/main">
-  <p:cSld>
-    <p:spTree>
-      <p:nvGrpSpPr>
-        <p:cNvPr id="1" name=""/>
-        <p:cNvGrpSpPr/>
-        <p:nvPr/>
-      </p:nvGrpSpPr>
-      <p:grpSpPr>
-        <a:xfrm>
-          <a:off x="0" y="0"/>
-          <a:ext cx="0" cy="0"/>
-          <a:chOff x="0" y="0"/>
-          <a:chExt cx="0" cy="0"/>
-        </a:xfrm>
-      </p:grpSpPr>
-      <p:sp>
-        <p:nvSpPr>
-          <p:cNvPr id="2" name="タイトル 1"/>
-          <p:cNvSpPr>
-            <a:spLocks noGrp="1"/>
-          </p:cNvSpPr>
-          <p:nvPr>
-            <p:ph type="title"/>
-          </p:nvPr>
-        </p:nvSpPr>
         <p:spPr>
           <a:xfrm>
             <a:off x="323528" y="3446339"/>
@@ -6393,8 +6260,8 @@
         </p:blipFill>
         <p:spPr bwMode="auto">
           <a:xfrm>
-            <a:off x="323529" y="-92546"/>
-            <a:ext cx="5544616" cy="3150951"/>
+            <a:off x="323528" y="-92546"/>
+            <a:ext cx="7560839" cy="4296751"/>
           </a:xfrm>
           <a:prstGeom prst="rect">
             <a:avLst/>
@@ -7311,7 +7178,7 @@
         <p:spPr>
           <a:xfrm>
             <a:off x="457200" y="2139702"/>
-            <a:ext cx="7467600" cy="1728192"/>
+            <a:ext cx="7467600" cy="2088232"/>
           </a:xfrm>
         </p:spPr>
         <p:txBody>
@@ -7325,7 +7192,7 @@
             </a:pPr>
             <a:r>
               <a:rPr kumimoji="1" lang="ja-JP" altLang="en-US" sz="3600" dirty="0" smtClean="0"/>
-              <a:t>就職活動に追われながらも</a:t>
+              <a:t>就職活動に追われながらも、</a:t>
             </a:r>
             <a:endParaRPr kumimoji="1" lang="en-US" altLang="ja-JP" sz="3600" dirty="0" smtClean="0"/>
           </a:p>
@@ -7349,13 +7216,34 @@
             </a:r>
             <a:r>
               <a:rPr lang="ja-JP" altLang="en-US" sz="1800" dirty="0" smtClean="0"/>
-              <a:t>今日もＰＧ二人が就活で抜けています。</a:t>
+              <a:t>今日もＰＧ二人が就活で抜けています</a:t>
+            </a:r>
+            <a:r>
+              <a:rPr lang="ja-JP" altLang="en-US" sz="1800" dirty="0" smtClean="0"/>
+              <a:t>。</a:t>
             </a:r>
             <a:r>
               <a:rPr lang="en-US" altLang="ja-JP" sz="1800" dirty="0" smtClean="0"/>
               <a:t>)</a:t>
             </a:r>
-            <a:endParaRPr kumimoji="1" lang="ja-JP" altLang="en-US" sz="1800" dirty="0"/>
+          </a:p>
+          <a:p>
+            <a:pPr marL="0" indent="0">
+              <a:buNone/>
+            </a:pPr>
+            <a:r>
+              <a:rPr kumimoji="1" lang="en-US" altLang="ja-JP" sz="1800" strike="sngStrike" dirty="0" smtClean="0"/>
+              <a:t>(</a:t>
+            </a:r>
+            <a:r>
+              <a:rPr kumimoji="1" lang="ja-JP" altLang="en-US" sz="1800" strike="sngStrike" dirty="0" smtClean="0"/>
+              <a:t>進捗の遅れも生じています</a:t>
+            </a:r>
+            <a:r>
+              <a:rPr kumimoji="1" lang="en-US" altLang="ja-JP" sz="1800" strike="sngStrike" dirty="0" smtClean="0"/>
+              <a:t>)</a:t>
+            </a:r>
+            <a:endParaRPr kumimoji="1" lang="ja-JP" altLang="en-US" sz="1800" strike="sngStrike" dirty="0"/>
           </a:p>
         </p:txBody>
       </p:sp>
@@ -7431,8 +7319,8 @@
         </p:nvSpPr>
         <p:spPr>
           <a:xfrm>
-            <a:off x="457200" y="1776214"/>
-            <a:ext cx="7467600" cy="2163688"/>
+            <a:off x="467544" y="2067694"/>
+            <a:ext cx="7467600" cy="1515616"/>
           </a:xfrm>
         </p:spPr>
         <p:txBody>
@@ -7450,17 +7338,6 @@
               <a:t>デザイン進捗</a:t>
             </a:r>
             <a:endParaRPr kumimoji="1" lang="en-US" altLang="ja-JP" sz="4000" dirty="0" smtClean="0"/>
-          </a:p>
-          <a:p>
-            <a:pPr marL="457200" indent="-457200">
-              <a:buFont typeface="+mj-lt"/>
-              <a:buAutoNum type="arabicPeriod"/>
-            </a:pPr>
-            <a:r>
-              <a:rPr lang="ja-JP" altLang="en-US" sz="4000" dirty="0" smtClean="0"/>
-              <a:t>プログラム進捗</a:t>
-            </a:r>
-            <a:endParaRPr lang="en-US" altLang="ja-JP" sz="4000" dirty="0" smtClean="0"/>
           </a:p>
           <a:p>
             <a:pPr marL="457200" indent="-457200">
@@ -7488,6 +7365,13 @@
   <p:clrMapOvr>
     <a:masterClrMapping/>
   </p:clrMapOvr>
+  <p:timing>
+    <p:tnLst>
+      <p:par>
+        <p:cTn id="1" dur="indefinite" restart="never" nodeType="tmRoot"/>
+      </p:par>
+    </p:tnLst>
+  </p:timing>
 </p:sld>
 </file>
 
@@ -7543,7 +7427,12 @@
             <p:ph sz="quarter" idx="1"/>
           </p:nvPr>
         </p:nvSpPr>
-        <p:spPr/>
+        <p:spPr>
+          <a:xfrm>
+            <a:off x="457200" y="1200150"/>
+            <a:ext cx="7859216" cy="3655314"/>
+          </a:xfrm>
+        </p:spPr>
         <p:txBody>
           <a:bodyPr>
             <a:normAutofit/>
@@ -7560,7 +7449,15 @@
             <a:pPr lvl="1"/>
             <a:r>
               <a:rPr lang="ja-JP" altLang="en-US" sz="2000" dirty="0" smtClean="0"/>
-              <a:t>スッピン、ファイターのモデル完了！ 　スッピンは実装</a:t>
+              <a:t>スッピン、ファイターのモデル完了！ 　スッピンは</a:t>
+            </a:r>
+            <a:r>
+              <a:rPr lang="ja-JP" altLang="en-US" sz="2000" dirty="0" smtClean="0"/>
+              <a:t>実装</a:t>
+            </a:r>
+            <a:r>
+              <a:rPr lang="ja-JP" altLang="en-US" sz="2000" dirty="0"/>
+              <a:t>済み</a:t>
             </a:r>
             <a:endParaRPr kumimoji="1" lang="ja-JP" altLang="en-US" sz="2000" dirty="0"/>
           </a:p>
@@ -7898,7 +7795,7 @@
           <p:nvPr/>
         </p:nvPicPr>
         <p:blipFill>
-          <a:blip r:embed="rId2" cstate="print">
+          <a:blip r:embed="rId3" cstate="print">
             <a:extLst>
               <a:ext uri="{28A0092B-C50C-407E-A947-70E740481C1C}">
                 <a14:useLocalDpi xmlns:a14="http://schemas.microsoft.com/office/drawing/2010/main" val="0"/>
@@ -7946,7 +7843,7 @@
           <p:nvPr/>
         </p:nvPicPr>
         <p:blipFill>
-          <a:blip r:embed="rId3" cstate="print">
+          <a:blip r:embed="rId4" cstate="print">
             <a:extLst>
               <a:ext uri="{28A0092B-C50C-407E-A947-70E740481C1C}">
                 <a14:useLocalDpi xmlns:a14="http://schemas.microsoft.com/office/drawing/2010/main" val="0"/>
